--- a/PPT_for_barcode.pptx
+++ b/PPT_for_barcode.pptx
@@ -10009,6 +10009,66 @@
           </a:prstGeom>
         </p:spPr>
       </p:pic>
+      <p:sp>
+        <p:nvSpPr>
+          <p:cNvPr id="2" name="矩形 1"/>
+          <p:cNvSpPr/>
+          <p:nvPr/>
+        </p:nvSpPr>
+        <p:spPr bwMode="auto">
+          <a:xfrm>
+            <a:off x="2858021" y="2852936"/>
+            <a:ext cx="1008112" cy="576064"/>
+          </a:xfrm>
+          <a:prstGeom prst="rect">
+            <a:avLst/>
+          </a:prstGeom>
+          <a:solidFill>
+            <a:schemeClr val="accent1"/>
+          </a:solidFill>
+          <a:ln w="9525" cap="flat" cmpd="sng" algn="ctr">
+            <a:solidFill>
+              <a:schemeClr val="tx1"/>
+            </a:solidFill>
+            <a:prstDash val="solid"/>
+            <a:round/>
+            <a:headEnd type="none" w="med" len="med"/>
+            <a:tailEnd type="none" w="med" len="med"/>
+          </a:ln>
+        </p:spPr>
+        <p:txBody>
+          <a:bodyPr vert="horz" wrap="square" lIns="91440" tIns="45720" rIns="91440" bIns="45720" numCol="1" rtlCol="0" anchor="t" anchorCtr="0" compatLnSpc="1"/>
+          <a:lstStyle/>
+          <a:p>
+            <a:pPr marL="0" marR="0" indent="0" algn="l" defTabSz="914400" rtl="0" eaLnBrk="1" fontAlgn="base" latinLnBrk="0" hangingPunct="1">
+              <a:lnSpc>
+                <a:spcPct val="100000"/>
+              </a:lnSpc>
+              <a:spcBef>
+                <a:spcPct val="0"/>
+              </a:spcBef>
+              <a:spcAft>
+                <a:spcPct val="0"/>
+              </a:spcAft>
+              <a:buClrTx/>
+              <a:buSzTx/>
+              <a:buFont typeface="Arial" panose="020B0604020202020204" pitchFamily="34" charset="0"/>
+              <a:buNone/>
+            </a:pPr>
+            <a:endParaRPr kumimoji="0" lang="zh-CN" altLang="en-US" sz="1800" b="0" i="0" u="none" strike="noStrike" cap="none" normalizeH="0" baseline="0" smtClean="0">
+              <a:ln>
+                <a:noFill/>
+              </a:ln>
+              <a:solidFill>
+                <a:schemeClr val="tx1"/>
+              </a:solidFill>
+              <a:effectLst/>
+              <a:latin typeface="Arial" panose="020B0604020202020204" pitchFamily="34" charset="0"/>
+              <a:ea typeface="宋体" panose="02010600030101010101" pitchFamily="2" charset="-122"/>
+            </a:endParaRPr>
+          </a:p>
+        </p:txBody>
+      </p:sp>
     </p:spTree>
     <p:extLst>
       <p:ext uri="{BB962C8B-B14F-4D97-AF65-F5344CB8AC3E}">

--- a/PPT_for_barcode.pptx
+++ b/PPT_for_barcode.pptx
@@ -5379,8 +5379,8 @@
         </p:nvSpPr>
         <p:spPr bwMode="auto">
           <a:xfrm>
-            <a:off x="0" y="1963680"/>
-            <a:ext cx="12194382" cy="1476375"/>
+            <a:off x="0" y="2044764"/>
+            <a:ext cx="12194382" cy="1314206"/>
           </a:xfrm>
           <a:prstGeom prst="rect">
             <a:avLst/>
@@ -5517,7 +5517,7 @@
                 <a:latin typeface="微软雅黑" panose="020B0503020204020204" pitchFamily="34" charset="-122"/>
                 <a:ea typeface="微软雅黑" panose="020B0503020204020204" pitchFamily="34" charset="-122"/>
               </a:rPr>
-              <a:t>视觉事业部建设方案</a:t>
+              <a:t>条形码识别与定位</a:t>
             </a:r>
           </a:p>
         </p:txBody>
@@ -5533,7 +5533,7 @@
         <p:spPr bwMode="auto">
           <a:xfrm>
             <a:off x="2332165" y="4434540"/>
-            <a:ext cx="7530051" cy="1731010"/>
+            <a:ext cx="7530051" cy="1449628"/>
           </a:xfrm>
           <a:prstGeom prst="rect">
             <a:avLst/>
@@ -5706,33 +5706,15 @@
               <a:defRPr/>
             </a:pPr>
             <a:r>
-              <a:rPr lang="zh-CN" altLang="en-US" sz="2800" b="1" dirty="0">
+              <a:rPr lang="en-US" altLang="zh-CN" sz="2800" b="1" dirty="0">
                 <a:solidFill>
                   <a:srgbClr val="0F3C6A"/>
                 </a:solidFill>
                 <a:latin typeface="微软雅黑" panose="020B0503020204020204" pitchFamily="34" charset="-122"/>
                 <a:ea typeface="微软雅黑" panose="020B0503020204020204" pitchFamily="34" charset="-122"/>
               </a:rPr>
-              <a:t>周玉宇</a:t>
+              <a:t>xxx</a:t>
             </a:r>
-            <a:endParaRPr lang="en-US" altLang="zh-CN" sz="2400" b="1" dirty="0">
-              <a:solidFill>
-                <a:srgbClr val="0F3D68"/>
-              </a:solidFill>
-              <a:latin typeface="微软雅黑" panose="020B0503020204020204" pitchFamily="34" charset="-122"/>
-              <a:ea typeface="微软雅黑" panose="020B0503020204020204" pitchFamily="34" charset="-122"/>
-            </a:endParaRPr>
-          </a:p>
-          <a:p>
-            <a:pPr algn="ctr">
-              <a:spcBef>
-                <a:spcPct val="15000"/>
-              </a:spcBef>
-              <a:buSzTx/>
-              <a:buFontTx/>
-              <a:buNone/>
-              <a:defRPr/>
-            </a:pPr>
             <a:endParaRPr lang="zh-CN" altLang="en-US" sz="1600" b="1" dirty="0">
               <a:solidFill>
                 <a:schemeClr val="accent6">
@@ -10011,64 +9993,193 @@
       </p:pic>
       <p:sp>
         <p:nvSpPr>
-          <p:cNvPr id="2" name="矩形 1"/>
+          <p:cNvPr id="5" name="矩形 4">
+            <a:extLst>
+              <a:ext uri="{FF2B5EF4-FFF2-40B4-BE49-F238E27FC236}">
+                <a16:creationId xmlns:a16="http://schemas.microsoft.com/office/drawing/2014/main" id="{F09D2081-B670-4829-9DFA-FCDCFA33C808}"/>
+              </a:ext>
+            </a:extLst>
+          </p:cNvPr>
           <p:cNvSpPr/>
           <p:nvPr/>
         </p:nvSpPr>
-        <p:spPr bwMode="auto">
+        <p:spPr>
           <a:xfrm>
-            <a:off x="2858021" y="2852936"/>
-            <a:ext cx="1008112" cy="576064"/>
+            <a:off x="310788" y="1055058"/>
+            <a:ext cx="11562158" cy="499624"/>
           </a:xfrm>
           <a:prstGeom prst="rect">
             <a:avLst/>
           </a:prstGeom>
           <a:solidFill>
-            <a:schemeClr val="accent1"/>
+            <a:schemeClr val="tx2">
+              <a:lumMod val="90000"/>
+            </a:schemeClr>
           </a:solidFill>
-          <a:ln w="9525" cap="flat" cmpd="sng" algn="ctr">
-            <a:solidFill>
-              <a:schemeClr val="tx1"/>
-            </a:solidFill>
-            <a:prstDash val="solid"/>
-            <a:round/>
-            <a:headEnd type="none" w="med" len="med"/>
-            <a:tailEnd type="none" w="med" len="med"/>
-          </a:ln>
         </p:spPr>
         <p:txBody>
-          <a:bodyPr vert="horz" wrap="square" lIns="91440" tIns="45720" rIns="91440" bIns="45720" numCol="1" rtlCol="0" anchor="t" anchorCtr="0" compatLnSpc="1"/>
+          <a:bodyPr wrap="square">
+            <a:spAutoFit/>
+          </a:bodyPr>
           <a:lstStyle/>
           <a:p>
-            <a:pPr marL="0" marR="0" indent="0" algn="l" defTabSz="914400" rtl="0" eaLnBrk="1" fontAlgn="base" latinLnBrk="0" hangingPunct="1">
+            <a:pPr marL="285750" indent="-285750" algn="just">
               <a:lnSpc>
-                <a:spcPct val="100000"/>
+                <a:spcPct val="150000"/>
               </a:lnSpc>
-              <a:spcBef>
-                <a:spcPct val="0"/>
-              </a:spcBef>
-              <a:spcAft>
-                <a:spcPct val="0"/>
-              </a:spcAft>
-              <a:buClrTx/>
-              <a:buSzTx/>
-              <a:buFont typeface="Arial" panose="020B0604020202020204" pitchFamily="34" charset="0"/>
-              <a:buNone/>
+              <a:buFont typeface="Wingdings" panose="05000000000000000000" pitchFamily="2" charset="2"/>
+              <a:buChar char="l"/>
             </a:pPr>
-            <a:endParaRPr kumimoji="0" lang="zh-CN" altLang="en-US" sz="1800" b="0" i="0" u="none" strike="noStrike" cap="none" normalizeH="0" baseline="0" smtClean="0">
-              <a:ln>
-                <a:noFill/>
-              </a:ln>
-              <a:solidFill>
-                <a:schemeClr val="tx1"/>
-              </a:solidFill>
-              <a:effectLst/>
-              <a:latin typeface="Arial" panose="020B0604020202020204" pitchFamily="34" charset="0"/>
-              <a:ea typeface="宋体" panose="02010600030101010101" pitchFamily="2" charset="-122"/>
-            </a:endParaRPr>
+            <a:r>
+              <a:rPr lang="zh-CN" altLang="en-US" sz="2000" b="1" dirty="0">
+                <a:solidFill>
+                  <a:schemeClr val="accent1"/>
+                </a:solidFill>
+                <a:latin typeface="微软雅黑" pitchFamily="34" charset="-122"/>
+                <a:ea typeface="微软雅黑" pitchFamily="34" charset="-122"/>
+              </a:rPr>
+              <a:t>条形码是由一组按一定编码规则排列的条、空和数字符号组成，用以表示一定信息的图形符号</a:t>
+            </a:r>
           </a:p>
         </p:txBody>
       </p:sp>
+      <p:sp>
+        <p:nvSpPr>
+          <p:cNvPr id="4" name="AutoShape 2" descr="https://img-blog.csdn.net/20160803194732195?watermark/2/text/aHR0cDovL2Jsb2cuY3Nkbi5uZXQv/font/5a6L5L2T/fontsize/400/fill/I0JBQkFCMA==/dissolve/70/gravity/SouthEast">
+            <a:extLst>
+              <a:ext uri="{FF2B5EF4-FFF2-40B4-BE49-F238E27FC236}">
+                <a16:creationId xmlns:a16="http://schemas.microsoft.com/office/drawing/2014/main" id="{B12DCAF4-10D6-4088-9C44-EB6A6FAAFEF9}"/>
+              </a:ext>
+            </a:extLst>
+          </p:cNvPr>
+          <p:cNvSpPr>
+            <a:spLocks noChangeAspect="1" noChangeArrowheads="1"/>
+          </p:cNvSpPr>
+          <p:nvPr/>
+        </p:nvSpPr>
+        <p:spPr bwMode="auto">
+          <a:xfrm>
+            <a:off x="5945188" y="3276600"/>
+            <a:ext cx="304800" cy="304800"/>
+          </a:xfrm>
+          <a:prstGeom prst="rect">
+            <a:avLst/>
+          </a:prstGeom>
+          <a:noFill/>
+          <a:extLst>
+            <a:ext uri="{909E8E84-426E-40DD-AFC4-6F175D3DCCD1}">
+              <a14:hiddenFill xmlns:a14="http://schemas.microsoft.com/office/drawing/2010/main">
+                <a:solidFill>
+                  <a:srgbClr val="FFFFFF"/>
+                </a:solidFill>
+              </a14:hiddenFill>
+            </a:ext>
+          </a:extLst>
+        </p:spPr>
+        <p:txBody>
+          <a:bodyPr vert="horz" wrap="square" lIns="91440" tIns="45720" rIns="91440" bIns="45720" numCol="1" anchor="t" anchorCtr="0" compatLnSpc="1">
+            <a:prstTxWarp prst="textNoShape">
+              <a:avLst/>
+            </a:prstTxWarp>
+          </a:bodyPr>
+          <a:lstStyle/>
+          <a:p>
+            <a:endParaRPr lang="zh-CN" altLang="en-US"/>
+          </a:p>
+        </p:txBody>
+      </p:sp>
+      <p:sp>
+        <p:nvSpPr>
+          <p:cNvPr id="29" name="AutoShape 4" descr="https://img-blog.csdn.net/20160803194732195?watermark/2/text/aHR0cDovL2Jsb2cuY3Nkbi5uZXQv/font/5a6L5L2T/fontsize/400/fill/I0JBQkFCMA==/dissolve/70/gravity/SouthEast">
+            <a:extLst>
+              <a:ext uri="{FF2B5EF4-FFF2-40B4-BE49-F238E27FC236}">
+                <a16:creationId xmlns:a16="http://schemas.microsoft.com/office/drawing/2014/main" id="{24A3F3C1-034E-4563-852E-93E951DB2B15}"/>
+              </a:ext>
+            </a:extLst>
+          </p:cNvPr>
+          <p:cNvSpPr>
+            <a:spLocks noChangeAspect="1" noChangeArrowheads="1"/>
+          </p:cNvSpPr>
+          <p:nvPr/>
+        </p:nvSpPr>
+        <p:spPr bwMode="auto">
+          <a:xfrm>
+            <a:off x="6097588" y="3429000"/>
+            <a:ext cx="304800" cy="304800"/>
+          </a:xfrm>
+          <a:prstGeom prst="rect">
+            <a:avLst/>
+          </a:prstGeom>
+          <a:noFill/>
+          <a:extLst>
+            <a:ext uri="{909E8E84-426E-40DD-AFC4-6F175D3DCCD1}">
+              <a14:hiddenFill xmlns:a14="http://schemas.microsoft.com/office/drawing/2010/main">
+                <a:solidFill>
+                  <a:srgbClr val="FFFFFF"/>
+                </a:solidFill>
+              </a14:hiddenFill>
+            </a:ext>
+          </a:extLst>
+        </p:spPr>
+        <p:txBody>
+          <a:bodyPr vert="horz" wrap="square" lIns="91440" tIns="45720" rIns="91440" bIns="45720" numCol="1" anchor="t" anchorCtr="0" compatLnSpc="1">
+            <a:prstTxWarp prst="textNoShape">
+              <a:avLst/>
+            </a:prstTxWarp>
+          </a:bodyPr>
+          <a:lstStyle/>
+          <a:p>
+            <a:endParaRPr lang="zh-CN" altLang="en-US"/>
+          </a:p>
+        </p:txBody>
+      </p:sp>
+      <p:pic>
+        <p:nvPicPr>
+          <p:cNvPr id="1030" name="Picture 6" descr="EAN-13è¯è¯»å­ç¬¦">
+            <a:extLst>
+              <a:ext uri="{FF2B5EF4-FFF2-40B4-BE49-F238E27FC236}">
+                <a16:creationId xmlns:a16="http://schemas.microsoft.com/office/drawing/2014/main" id="{14E20F60-A0DE-42D8-B65C-087CF4846FF6}"/>
+              </a:ext>
+            </a:extLst>
+          </p:cNvPr>
+          <p:cNvPicPr>
+            <a:picLocks noChangeAspect="1" noChangeArrowheads="1"/>
+          </p:cNvPicPr>
+          <p:nvPr/>
+        </p:nvPicPr>
+        <p:blipFill>
+          <a:blip r:embed="rId4">
+            <a:extLst>
+              <a:ext uri="{28A0092B-C50C-407E-A947-70E740481C1C}">
+                <a14:useLocalDpi xmlns:a14="http://schemas.microsoft.com/office/drawing/2010/main" val="0"/>
+              </a:ext>
+            </a:extLst>
+          </a:blip>
+          <a:srcRect/>
+          <a:stretch>
+            <a:fillRect/>
+          </a:stretch>
+        </p:blipFill>
+        <p:spPr bwMode="auto">
+          <a:xfrm>
+            <a:off x="2630488" y="1771650"/>
+            <a:ext cx="6934200" cy="3314700"/>
+          </a:xfrm>
+          <a:prstGeom prst="rect">
+            <a:avLst/>
+          </a:prstGeom>
+          <a:noFill/>
+          <a:extLst>
+            <a:ext uri="{909E8E84-426E-40DD-AFC4-6F175D3DCCD1}">
+              <a14:hiddenFill xmlns:a14="http://schemas.microsoft.com/office/drawing/2010/main">
+                <a:solidFill>
+                  <a:srgbClr val="FFFFFF"/>
+                </a:solidFill>
+              </a14:hiddenFill>
+            </a:ext>
+          </a:extLst>
+        </p:spPr>
+      </p:pic>
     </p:spTree>
     <p:extLst>
       <p:ext uri="{BB962C8B-B14F-4D97-AF65-F5344CB8AC3E}">

--- a/PPT_for_barcode.pptx
+++ b/PPT_for_barcode.pptx
@@ -5,19 +5,20 @@
     <p:sldMasterId id="2147483648" r:id="rId1"/>
   </p:sldMasterIdLst>
   <p:notesMasterIdLst>
-    <p:notesMasterId r:id="rId12"/>
+    <p:notesMasterId r:id="rId13"/>
   </p:notesMasterIdLst>
   <p:sldIdLst>
     <p:sldId id="803" r:id="rId2"/>
     <p:sldId id="1106" r:id="rId3"/>
     <p:sldId id="1110" r:id="rId4"/>
     <p:sldId id="1112" r:id="rId5"/>
-    <p:sldId id="1111" r:id="rId6"/>
-    <p:sldId id="1113" r:id="rId7"/>
-    <p:sldId id="1114" r:id="rId8"/>
-    <p:sldId id="1115" r:id="rId9"/>
-    <p:sldId id="1109" r:id="rId10"/>
-    <p:sldId id="811" r:id="rId11"/>
+    <p:sldId id="1116" r:id="rId6"/>
+    <p:sldId id="1111" r:id="rId7"/>
+    <p:sldId id="1113" r:id="rId8"/>
+    <p:sldId id="1114" r:id="rId9"/>
+    <p:sldId id="1115" r:id="rId10"/>
+    <p:sldId id="1109" r:id="rId11"/>
+    <p:sldId id="811" r:id="rId12"/>
   </p:sldIdLst>
   <p:sldSz cx="12196763" cy="6858000"/>
   <p:notesSz cx="6858000" cy="9144000"/>
@@ -1015,6 +1016,267 @@
 </p:notes>
 </file>
 
+<file path=ppt/notesSlides/notesSlide10.xml><?xml version="1.0" encoding="utf-8"?>
+<p:notes xmlns:a="http://schemas.openxmlformats.org/drawingml/2006/main" xmlns:r="http://schemas.openxmlformats.org/officeDocument/2006/relationships" xmlns:p="http://schemas.openxmlformats.org/presentationml/2006/main">
+  <p:cSld>
+    <p:spTree>
+      <p:nvGrpSpPr>
+        <p:cNvPr id="1" name=""/>
+        <p:cNvGrpSpPr/>
+        <p:nvPr/>
+      </p:nvGrpSpPr>
+      <p:grpSpPr>
+        <a:xfrm>
+          <a:off x="0" y="0"/>
+          <a:ext cx="0" cy="0"/>
+          <a:chOff x="0" y="0"/>
+          <a:chExt cx="0" cy="0"/>
+        </a:xfrm>
+      </p:grpSpPr>
+      <p:sp>
+        <p:nvSpPr>
+          <p:cNvPr id="56322" name="幻灯片图像占位符 1"/>
+          <p:cNvSpPr>
+            <a:spLocks noGrp="1" noRot="1" noChangeAspect="1" noTextEdit="1"/>
+          </p:cNvSpPr>
+          <p:nvPr>
+            <p:ph type="sldImg"/>
+          </p:nvPr>
+        </p:nvSpPr>
+        <p:spPr bwMode="auto">
+          <a:xfrm>
+            <a:off x="381000" y="685800"/>
+            <a:ext cx="6096000" cy="3429000"/>
+          </a:xfrm>
+          <a:noFill/>
+          <a:ln>
+            <a:solidFill>
+              <a:srgbClr val="000000"/>
+            </a:solidFill>
+            <a:miter lim="800000"/>
+          </a:ln>
+          <a:extLst>
+            <a:ext uri="{909E8E84-426E-40DD-AFC4-6F175D3DCCD1}">
+              <a14:hiddenFill xmlns:a14="http://schemas.microsoft.com/office/drawing/2010/main">
+                <a:solidFill>
+                  <a:srgbClr val="FFFFFF"/>
+                </a:solidFill>
+              </a14:hiddenFill>
+            </a:ext>
+          </a:extLst>
+        </p:spPr>
+      </p:sp>
+      <p:sp>
+        <p:nvSpPr>
+          <p:cNvPr id="56323" name="备注占位符 2"/>
+          <p:cNvSpPr>
+            <a:spLocks noGrp="1"/>
+          </p:cNvSpPr>
+          <p:nvPr>
+            <p:ph type="body" idx="1"/>
+          </p:nvPr>
+        </p:nvSpPr>
+        <p:spPr bwMode="auto">
+          <a:noFill/>
+          <a:extLst>
+            <a:ext uri="{909E8E84-426E-40DD-AFC4-6F175D3DCCD1}">
+              <a14:hiddenFill xmlns:a14="http://schemas.microsoft.com/office/drawing/2010/main">
+                <a:solidFill>
+                  <a:srgbClr val="FFFFFF"/>
+                </a:solidFill>
+              </a14:hiddenFill>
+            </a:ext>
+            <a:ext uri="{91240B29-F687-4F45-9708-019B960494DF}">
+              <a14:hiddenLine xmlns:a14="http://schemas.microsoft.com/office/drawing/2010/main" w="9525">
+                <a:solidFill>
+                  <a:srgbClr val="000000"/>
+                </a:solidFill>
+                <a:miter lim="800000"/>
+                <a:headEnd/>
+                <a:tailEnd/>
+              </a14:hiddenLine>
+            </a:ext>
+          </a:extLst>
+        </p:spPr>
+        <p:txBody>
+          <a:bodyPr wrap="square" numCol="1" anchor="t" anchorCtr="0" compatLnSpc="1"/>
+          <a:lstStyle/>
+          <a:p>
+            <a:pPr>
+              <a:spcBef>
+                <a:spcPct val="0"/>
+              </a:spcBef>
+            </a:pPr>
+            <a:endParaRPr lang="zh-CN" altLang="en-US"/>
+          </a:p>
+        </p:txBody>
+      </p:sp>
+      <p:sp>
+        <p:nvSpPr>
+          <p:cNvPr id="56324" name="灯片编号占位符 3"/>
+          <p:cNvSpPr>
+            <a:spLocks noGrp="1"/>
+          </p:cNvSpPr>
+          <p:nvPr>
+            <p:ph type="sldNum" sz="quarter" idx="5"/>
+          </p:nvPr>
+        </p:nvSpPr>
+        <p:spPr bwMode="auto">
+          <a:noFill/>
+          <a:extLst>
+            <a:ext uri="{909E8E84-426E-40DD-AFC4-6F175D3DCCD1}">
+              <a14:hiddenFill xmlns:a14="http://schemas.microsoft.com/office/drawing/2010/main">
+                <a:solidFill>
+                  <a:srgbClr val="FFFFFF"/>
+                </a:solidFill>
+              </a14:hiddenFill>
+            </a:ext>
+            <a:ext uri="{91240B29-F687-4F45-9708-019B960494DF}">
+              <a14:hiddenLine xmlns:a14="http://schemas.microsoft.com/office/drawing/2010/main" w="9525">
+                <a:solidFill>
+                  <a:srgbClr val="000000"/>
+                </a:solidFill>
+                <a:miter lim="800000"/>
+                <a:headEnd/>
+                <a:tailEnd/>
+              </a14:hiddenLine>
+            </a:ext>
+          </a:extLst>
+        </p:spPr>
+        <p:txBody>
+          <a:bodyPr wrap="square" numCol="1" anchorCtr="0" compatLnSpc="1"/>
+          <a:lstStyle>
+            <a:lvl1pPr>
+              <a:defRPr>
+                <a:solidFill>
+                  <a:schemeClr val="tx1"/>
+                </a:solidFill>
+                <a:latin typeface="Calibri" panose="020F0502020204030204" pitchFamily="34" charset="0"/>
+                <a:ea typeface="宋体" panose="02010600030101010101" pitchFamily="2" charset="-122"/>
+              </a:defRPr>
+            </a:lvl1pPr>
+            <a:lvl2pPr marL="742950" indent="-285750">
+              <a:defRPr>
+                <a:solidFill>
+                  <a:schemeClr val="tx1"/>
+                </a:solidFill>
+                <a:latin typeface="Calibri" panose="020F0502020204030204" pitchFamily="34" charset="0"/>
+                <a:ea typeface="宋体" panose="02010600030101010101" pitchFamily="2" charset="-122"/>
+              </a:defRPr>
+            </a:lvl2pPr>
+            <a:lvl3pPr marL="1143000" indent="-228600">
+              <a:defRPr>
+                <a:solidFill>
+                  <a:schemeClr val="tx1"/>
+                </a:solidFill>
+                <a:latin typeface="Calibri" panose="020F0502020204030204" pitchFamily="34" charset="0"/>
+                <a:ea typeface="宋体" panose="02010600030101010101" pitchFamily="2" charset="-122"/>
+              </a:defRPr>
+            </a:lvl3pPr>
+            <a:lvl4pPr marL="1600200" indent="-228600">
+              <a:defRPr>
+                <a:solidFill>
+                  <a:schemeClr val="tx1"/>
+                </a:solidFill>
+                <a:latin typeface="Calibri" panose="020F0502020204030204" pitchFamily="34" charset="0"/>
+                <a:ea typeface="宋体" panose="02010600030101010101" pitchFamily="2" charset="-122"/>
+              </a:defRPr>
+            </a:lvl4pPr>
+            <a:lvl5pPr marL="2057400" indent="-228600">
+              <a:defRPr>
+                <a:solidFill>
+                  <a:schemeClr val="tx1"/>
+                </a:solidFill>
+                <a:latin typeface="Calibri" panose="020F0502020204030204" pitchFamily="34" charset="0"/>
+                <a:ea typeface="宋体" panose="02010600030101010101" pitchFamily="2" charset="-122"/>
+              </a:defRPr>
+            </a:lvl5pPr>
+            <a:lvl6pPr marL="2514600" indent="-228600" fontAlgn="base">
+              <a:spcBef>
+                <a:spcPct val="0"/>
+              </a:spcBef>
+              <a:spcAft>
+                <a:spcPct val="0"/>
+              </a:spcAft>
+              <a:defRPr>
+                <a:solidFill>
+                  <a:schemeClr val="tx1"/>
+                </a:solidFill>
+                <a:latin typeface="Calibri" panose="020F0502020204030204" pitchFamily="34" charset="0"/>
+                <a:ea typeface="宋体" panose="02010600030101010101" pitchFamily="2" charset="-122"/>
+              </a:defRPr>
+            </a:lvl6pPr>
+            <a:lvl7pPr marL="2971800" indent="-228600" fontAlgn="base">
+              <a:spcBef>
+                <a:spcPct val="0"/>
+              </a:spcBef>
+              <a:spcAft>
+                <a:spcPct val="0"/>
+              </a:spcAft>
+              <a:defRPr>
+                <a:solidFill>
+                  <a:schemeClr val="tx1"/>
+                </a:solidFill>
+                <a:latin typeface="Calibri" panose="020F0502020204030204" pitchFamily="34" charset="0"/>
+                <a:ea typeface="宋体" panose="02010600030101010101" pitchFamily="2" charset="-122"/>
+              </a:defRPr>
+            </a:lvl7pPr>
+            <a:lvl8pPr marL="3429000" indent="-228600" fontAlgn="base">
+              <a:spcBef>
+                <a:spcPct val="0"/>
+              </a:spcBef>
+              <a:spcAft>
+                <a:spcPct val="0"/>
+              </a:spcAft>
+              <a:defRPr>
+                <a:solidFill>
+                  <a:schemeClr val="tx1"/>
+                </a:solidFill>
+                <a:latin typeface="Calibri" panose="020F0502020204030204" pitchFamily="34" charset="0"/>
+                <a:ea typeface="宋体" panose="02010600030101010101" pitchFamily="2" charset="-122"/>
+              </a:defRPr>
+            </a:lvl8pPr>
+            <a:lvl9pPr marL="3886200" indent="-228600" fontAlgn="base">
+              <a:spcBef>
+                <a:spcPct val="0"/>
+              </a:spcBef>
+              <a:spcAft>
+                <a:spcPct val="0"/>
+              </a:spcAft>
+              <a:defRPr>
+                <a:solidFill>
+                  <a:schemeClr val="tx1"/>
+                </a:solidFill>
+                <a:latin typeface="Calibri" panose="020F0502020204030204" pitchFamily="34" charset="0"/>
+                <a:ea typeface="宋体" panose="02010600030101010101" pitchFamily="2" charset="-122"/>
+              </a:defRPr>
+            </a:lvl9pPr>
+          </a:lstStyle>
+          <a:p>
+            <a:pPr fontAlgn="base">
+              <a:spcBef>
+                <a:spcPct val="0"/>
+              </a:spcBef>
+              <a:spcAft>
+                <a:spcPct val="0"/>
+              </a:spcAft>
+            </a:pPr>
+            <a:fld id="{C0B6F994-5B67-4A69-9BF8-2C9541342FDB}" type="slidenum">
+              <a:rPr lang="zh-CN" altLang="en-US"/>
+              <a:t>11</a:t>
+            </a:fld>
+            <a:endParaRPr lang="zh-CN" altLang="en-US"/>
+          </a:p>
+        </p:txBody>
+      </p:sp>
+    </p:spTree>
+  </p:cSld>
+  <p:clrMapOvr>
+    <a:masterClrMapping/>
+  </p:clrMapOvr>
+</p:notes>
+</file>
+
 <file path=ppt/notesSlides/notesSlide2.xml><?xml version="1.0" encoding="utf-8"?>
 <p:notes xmlns:a="http://schemas.openxmlformats.org/drawingml/2006/main" xmlns:r="http://schemas.openxmlformats.org/officeDocument/2006/relationships" xmlns:p="http://schemas.openxmlformats.org/presentationml/2006/main">
   <p:cSld>
@@ -2064,7 +2326,7 @@
     </p:spTree>
     <p:extLst>
       <p:ext uri="{BB962C8B-B14F-4D97-AF65-F5344CB8AC3E}">
-        <p14:creationId xmlns:p14="http://schemas.microsoft.com/office/powerpoint/2010/main" val="1149679844"/>
+        <p14:creationId xmlns:p14="http://schemas.microsoft.com/office/powerpoint/2010/main" val="2532214808"/>
       </p:ext>
     </p:extLst>
   </p:cSld>
@@ -2330,7 +2592,7 @@
     </p:spTree>
     <p:extLst>
       <p:ext uri="{BB962C8B-B14F-4D97-AF65-F5344CB8AC3E}">
-        <p14:creationId xmlns:p14="http://schemas.microsoft.com/office/powerpoint/2010/main" val="1394051270"/>
+        <p14:creationId xmlns:p14="http://schemas.microsoft.com/office/powerpoint/2010/main" val="1149679844"/>
       </p:ext>
     </p:extLst>
   </p:cSld>
@@ -2596,7 +2858,7 @@
     </p:spTree>
     <p:extLst>
       <p:ext uri="{BB962C8B-B14F-4D97-AF65-F5344CB8AC3E}">
-        <p14:creationId xmlns:p14="http://schemas.microsoft.com/office/powerpoint/2010/main" val="2594546289"/>
+        <p14:creationId xmlns:p14="http://schemas.microsoft.com/office/powerpoint/2010/main" val="1394051270"/>
       </p:ext>
     </p:extLst>
   </p:cSld>
@@ -2862,7 +3124,7 @@
     </p:spTree>
     <p:extLst>
       <p:ext uri="{BB962C8B-B14F-4D97-AF65-F5344CB8AC3E}">
-        <p14:creationId xmlns:p14="http://schemas.microsoft.com/office/powerpoint/2010/main" val="4292751821"/>
+        <p14:creationId xmlns:p14="http://schemas.microsoft.com/office/powerpoint/2010/main" val="2594546289"/>
       </p:ext>
     </p:extLst>
   </p:cSld>
@@ -2891,7 +3153,7 @@
       </p:grpSpPr>
       <p:sp>
         <p:nvSpPr>
-          <p:cNvPr id="56322" name="幻灯片图像占位符 1"/>
+          <p:cNvPr id="57346" name="幻灯片图像占位符 1"/>
           <p:cNvSpPr>
             <a:spLocks noGrp="1" noRot="1" noChangeAspect="1" noTextEdit="1"/>
           </p:cNvSpPr>
@@ -2924,7 +3186,7 @@
       </p:sp>
       <p:sp>
         <p:nvSpPr>
-          <p:cNvPr id="56323" name="备注占位符 2"/>
+          <p:cNvPr id="57347" name="备注占位符 2"/>
           <p:cNvSpPr>
             <a:spLocks noGrp="1"/>
           </p:cNvSpPr>
@@ -2969,7 +3231,7 @@
       </p:sp>
       <p:sp>
         <p:nvSpPr>
-          <p:cNvPr id="56324" name="灯片编号占位符 3"/>
+          <p:cNvPr id="57348" name="灯片编号占位符 3"/>
           <p:cNvSpPr>
             <a:spLocks noGrp="1"/>
           </p:cNvSpPr>
@@ -3117,15 +3379,20 @@
                 <a:spcPct val="0"/>
               </a:spcAft>
             </a:pPr>
-            <a:fld id="{C0B6F994-5B67-4A69-9BF8-2C9541342FDB}" type="slidenum">
+            <a:fld id="{47B1E610-0118-4C00-B7D6-3AE44F057782}" type="slidenum">
               <a:rPr lang="zh-CN" altLang="en-US"/>
-              <a:t>10</a:t>
+              <a:t>9</a:t>
             </a:fld>
             <a:endParaRPr lang="zh-CN" altLang="en-US"/>
           </a:p>
         </p:txBody>
       </p:sp>
     </p:spTree>
+    <p:extLst>
+      <p:ext uri="{BB962C8B-B14F-4D97-AF65-F5344CB8AC3E}">
+        <p14:creationId xmlns:p14="http://schemas.microsoft.com/office/powerpoint/2010/main" val="4292751821"/>
+      </p:ext>
+    </p:extLst>
   </p:cSld>
   <p:clrMapOvr>
     <a:masterClrMapping/>
@@ -5706,14 +5973,14 @@
               <a:defRPr/>
             </a:pPr>
             <a:r>
-              <a:rPr lang="en-US" altLang="zh-CN" sz="2800" b="1" dirty="0">
+              <a:rPr lang="zh-CN" altLang="en-US" sz="2800" b="1" dirty="0" smtClean="0">
                 <a:solidFill>
                   <a:srgbClr val="0F3C6A"/>
                 </a:solidFill>
                 <a:latin typeface="微软雅黑" panose="020B0503020204020204" pitchFamily="34" charset="-122"/>
                 <a:ea typeface="微软雅黑" panose="020B0503020204020204" pitchFamily="34" charset="-122"/>
               </a:rPr>
-              <a:t>xxx</a:t>
+              <a:t>杨 华</a:t>
             </a:r>
             <a:endParaRPr lang="zh-CN" altLang="en-US" sz="1600" b="1" dirty="0">
               <a:solidFill>
@@ -5822,6 +6089,512 @@
 </file>
 
 <file path=ppt/slides/slide10.xml><?xml version="1.0" encoding="utf-8"?>
+<p:sld xmlns:a="http://schemas.openxmlformats.org/drawingml/2006/main" xmlns:r="http://schemas.openxmlformats.org/officeDocument/2006/relationships" xmlns:p="http://schemas.openxmlformats.org/presentationml/2006/main">
+  <p:cSld>
+    <p:spTree>
+      <p:nvGrpSpPr>
+        <p:cNvPr id="1" name=""/>
+        <p:cNvGrpSpPr/>
+        <p:nvPr/>
+      </p:nvGrpSpPr>
+      <p:grpSpPr>
+        <a:xfrm>
+          <a:off x="0" y="0"/>
+          <a:ext cx="0" cy="0"/>
+          <a:chOff x="0" y="0"/>
+          <a:chExt cx="0" cy="0"/>
+        </a:xfrm>
+      </p:grpSpPr>
+      <p:sp>
+        <p:nvSpPr>
+          <p:cNvPr id="3" name="内容占位符 2"/>
+          <p:cNvSpPr>
+            <a:spLocks noGrp="1"/>
+          </p:cNvSpPr>
+          <p:nvPr>
+            <p:ph idx="1"/>
+          </p:nvPr>
+        </p:nvSpPr>
+        <p:spPr>
+          <a:xfrm>
+            <a:off x="609600" y="1815465"/>
+            <a:ext cx="10977880" cy="2564765"/>
+          </a:xfrm>
+        </p:spPr>
+        <p:txBody>
+          <a:bodyPr/>
+          <a:lstStyle/>
+          <a:p>
+            <a:pPr algn="just">
+              <a:lnSpc>
+                <a:spcPct val="150000"/>
+              </a:lnSpc>
+              <a:buClr>
+                <a:srgbClr val="C00000"/>
+              </a:buClr>
+              <a:buFont typeface="Wingdings" panose="05000000000000000000" charset="0"/>
+              <a:buChar char="n"/>
+            </a:pPr>
+            <a:r>
+              <a:rPr lang="zh-CN" altLang="en-US" sz="2400" dirty="0">
+                <a:solidFill>
+                  <a:srgbClr val="0F3C6A"/>
+                </a:solidFill>
+                <a:latin typeface="微软雅黑" panose="020B0503020204020204" pitchFamily="34" charset="-122"/>
+                <a:ea typeface="微软雅黑" panose="020B0503020204020204" pitchFamily="34" charset="-122"/>
+                <a:cs typeface="微软雅黑" panose="020B0503020204020204" pitchFamily="34" charset="-122"/>
+              </a:rPr>
+              <a:t>在定位与标定算法方面有自主软件包的研发经历及工程实践经验，并分析过</a:t>
+            </a:r>
+            <a:r>
+              <a:rPr lang="en-US" altLang="zh-CN" sz="2400" dirty="0">
+                <a:solidFill>
+                  <a:srgbClr val="0F3C6A"/>
+                </a:solidFill>
+                <a:latin typeface="微软雅黑" panose="020B0503020204020204" pitchFamily="34" charset="-122"/>
+                <a:ea typeface="微软雅黑" panose="020B0503020204020204" pitchFamily="34" charset="-122"/>
+                <a:cs typeface="微软雅黑" panose="020B0503020204020204" pitchFamily="34" charset="-122"/>
+              </a:rPr>
+              <a:t>Datalogic</a:t>
+            </a:r>
+            <a:r>
+              <a:rPr lang="zh-CN" altLang="en-US" sz="2400" dirty="0">
+                <a:solidFill>
+                  <a:srgbClr val="0F3C6A"/>
+                </a:solidFill>
+                <a:latin typeface="微软雅黑" panose="020B0503020204020204" pitchFamily="34" charset="-122"/>
+                <a:ea typeface="微软雅黑" panose="020B0503020204020204" pitchFamily="34" charset="-122"/>
+                <a:cs typeface="微软雅黑" panose="020B0503020204020204" pitchFamily="34" charset="-122"/>
+              </a:rPr>
+              <a:t>、</a:t>
+            </a:r>
+            <a:r>
+              <a:rPr lang="en-US" altLang="zh-CN" sz="2400" dirty="0">
+                <a:solidFill>
+                  <a:srgbClr val="0F3C6A"/>
+                </a:solidFill>
+                <a:latin typeface="微软雅黑" panose="020B0503020204020204" pitchFamily="34" charset="-122"/>
+                <a:ea typeface="微软雅黑" panose="020B0503020204020204" pitchFamily="34" charset="-122"/>
+                <a:cs typeface="微软雅黑" panose="020B0503020204020204" pitchFamily="34" charset="-122"/>
+              </a:rPr>
+              <a:t>C</a:t>
+            </a:r>
+            <a:r>
+              <a:rPr lang="en-US" altLang="zh-CN" sz="2400" dirty="0" err="1">
+                <a:solidFill>
+                  <a:srgbClr val="0F3C6A"/>
+                </a:solidFill>
+                <a:latin typeface="微软雅黑" panose="020B0503020204020204" pitchFamily="34" charset="-122"/>
+                <a:ea typeface="微软雅黑" panose="020B0503020204020204" pitchFamily="34" charset="-122"/>
+                <a:cs typeface="微软雅黑" panose="020B0503020204020204" pitchFamily="34" charset="-122"/>
+              </a:rPr>
+              <a:t>ongex</a:t>
+            </a:r>
+            <a:r>
+              <a:rPr lang="zh-CN" altLang="en-US" sz="2400" dirty="0">
+                <a:solidFill>
+                  <a:srgbClr val="0F3C6A"/>
+                </a:solidFill>
+                <a:latin typeface="微软雅黑" panose="020B0503020204020204" pitchFamily="34" charset="-122"/>
+                <a:ea typeface="微软雅黑" panose="020B0503020204020204" pitchFamily="34" charset="-122"/>
+                <a:cs typeface="微软雅黑" panose="020B0503020204020204" pitchFamily="34" charset="-122"/>
+              </a:rPr>
+              <a:t>的扫码设备作参考。</a:t>
+            </a:r>
+            <a:endParaRPr lang="en-US" altLang="zh-CN" sz="2400" dirty="0">
+              <a:solidFill>
+                <a:srgbClr val="0F3C6A"/>
+              </a:solidFill>
+              <a:latin typeface="微软雅黑" panose="020B0503020204020204" pitchFamily="34" charset="-122"/>
+              <a:ea typeface="微软雅黑" panose="020B0503020204020204" pitchFamily="34" charset="-122"/>
+              <a:cs typeface="微软雅黑" panose="020B0503020204020204" pitchFamily="34" charset="-122"/>
+            </a:endParaRPr>
+          </a:p>
+          <a:p>
+            <a:pPr algn="just">
+              <a:lnSpc>
+                <a:spcPct val="150000"/>
+              </a:lnSpc>
+              <a:buClr>
+                <a:srgbClr val="C00000"/>
+              </a:buClr>
+              <a:buFont typeface="Wingdings" panose="05000000000000000000" charset="0"/>
+              <a:buChar char="n"/>
+            </a:pPr>
+            <a:r>
+              <a:rPr lang="zh-CN" altLang="en-US" sz="2400" dirty="0">
+                <a:solidFill>
+                  <a:srgbClr val="0F3C6A"/>
+                </a:solidFill>
+                <a:latin typeface="微软雅黑" panose="020B0503020204020204" pitchFamily="34" charset="-122"/>
+                <a:ea typeface="微软雅黑" panose="020B0503020204020204" pitchFamily="34" charset="-122"/>
+                <a:cs typeface="微软雅黑" panose="020B0503020204020204" pitchFamily="34" charset="-122"/>
+              </a:rPr>
+              <a:t>在嵌入式</a:t>
+            </a:r>
+            <a:r>
+              <a:rPr lang="en-US" altLang="zh-CN" sz="2400" dirty="0" err="1">
+                <a:solidFill>
+                  <a:srgbClr val="0F3C6A"/>
+                </a:solidFill>
+                <a:latin typeface="微软雅黑" panose="020B0503020204020204" pitchFamily="34" charset="-122"/>
+                <a:ea typeface="微软雅黑" panose="020B0503020204020204" pitchFamily="34" charset="-122"/>
+                <a:cs typeface="微软雅黑" panose="020B0503020204020204" pitchFamily="34" charset="-122"/>
+              </a:rPr>
+              <a:t>linux</a:t>
+            </a:r>
+            <a:r>
+              <a:rPr lang="zh-CN" altLang="en-US" sz="2400" dirty="0">
+                <a:solidFill>
+                  <a:srgbClr val="0F3C6A"/>
+                </a:solidFill>
+                <a:latin typeface="微软雅黑" panose="020B0503020204020204" pitchFamily="34" charset="-122"/>
+                <a:ea typeface="微软雅黑" panose="020B0503020204020204" pitchFamily="34" charset="-122"/>
+                <a:cs typeface="微软雅黑" panose="020B0503020204020204" pitchFamily="34" charset="-122"/>
+              </a:rPr>
+              <a:t>环境下基于</a:t>
+            </a:r>
+            <a:r>
+              <a:rPr lang="en-US" altLang="zh-CN" sz="2400" dirty="0">
+                <a:solidFill>
+                  <a:srgbClr val="0F3C6A"/>
+                </a:solidFill>
+                <a:latin typeface="微软雅黑" panose="020B0503020204020204" pitchFamily="34" charset="-122"/>
+                <a:ea typeface="微软雅黑" panose="020B0503020204020204" pitchFamily="34" charset="-122"/>
+                <a:cs typeface="微软雅黑" panose="020B0503020204020204" pitchFamily="34" charset="-122"/>
+              </a:rPr>
+              <a:t>qt</a:t>
+            </a:r>
+            <a:r>
+              <a:rPr lang="zh-CN" altLang="en-US" sz="2400" dirty="0">
+                <a:solidFill>
+                  <a:srgbClr val="0F3C6A"/>
+                </a:solidFill>
+                <a:latin typeface="微软雅黑" panose="020B0503020204020204" pitchFamily="34" charset="-122"/>
+                <a:ea typeface="微软雅黑" panose="020B0503020204020204" pitchFamily="34" charset="-122"/>
+                <a:cs typeface="微软雅黑" panose="020B0503020204020204" pitchFamily="34" charset="-122"/>
+              </a:rPr>
+              <a:t>平台利用开源包实现了常规条码的基本识别。</a:t>
+            </a:r>
+          </a:p>
+          <a:p>
+            <a:pPr algn="just">
+              <a:lnSpc>
+                <a:spcPct val="150000"/>
+              </a:lnSpc>
+              <a:buClr>
+                <a:srgbClr val="C00000"/>
+              </a:buClr>
+              <a:buFont typeface="Wingdings" panose="05000000000000000000" charset="0"/>
+              <a:buChar char="n"/>
+            </a:pPr>
+            <a:r>
+              <a:rPr lang="zh-CN" altLang="en-US" sz="2400" dirty="0">
+                <a:solidFill>
+                  <a:srgbClr val="0F3C6A"/>
+                </a:solidFill>
+                <a:latin typeface="微软雅黑" panose="020B0503020204020204" pitchFamily="34" charset="-122"/>
+                <a:ea typeface="微软雅黑" panose="020B0503020204020204" pitchFamily="34" charset="-122"/>
+                <a:cs typeface="微软雅黑" panose="020B0503020204020204" pitchFamily="34" charset="-122"/>
+              </a:rPr>
+              <a:t>利用基于</a:t>
+            </a:r>
+            <a:r>
+              <a:rPr lang="en-US" altLang="zh-CN" sz="2400" dirty="0">
+                <a:solidFill>
+                  <a:srgbClr val="0F3C6A"/>
+                </a:solidFill>
+                <a:latin typeface="微软雅黑" panose="020B0503020204020204" pitchFamily="34" charset="-122"/>
+                <a:ea typeface="微软雅黑" panose="020B0503020204020204" pitchFamily="34" charset="-122"/>
+                <a:cs typeface="微软雅黑" panose="020B0503020204020204" pitchFamily="34" charset="-122"/>
+              </a:rPr>
+              <a:t>ARM</a:t>
+            </a:r>
+            <a:r>
+              <a:rPr lang="zh-CN" altLang="en-US" sz="2400" dirty="0">
+                <a:solidFill>
+                  <a:srgbClr val="0F3C6A"/>
+                </a:solidFill>
+                <a:latin typeface="微软雅黑" panose="020B0503020204020204" pitchFamily="34" charset="-122"/>
+                <a:ea typeface="微软雅黑" panose="020B0503020204020204" pitchFamily="34" charset="-122"/>
+                <a:cs typeface="微软雅黑" panose="020B0503020204020204" pitchFamily="34" charset="-122"/>
+              </a:rPr>
+              <a:t>的</a:t>
+            </a:r>
+            <a:r>
+              <a:rPr lang="en-US" altLang="zh-CN" sz="2400" dirty="0">
+                <a:solidFill>
+                  <a:srgbClr val="0F3C6A"/>
+                </a:solidFill>
+                <a:latin typeface="微软雅黑" panose="020B0503020204020204" pitchFamily="34" charset="-122"/>
+                <a:ea typeface="微软雅黑" panose="020B0503020204020204" pitchFamily="34" charset="-122"/>
+                <a:cs typeface="微软雅黑" panose="020B0503020204020204" pitchFamily="34" charset="-122"/>
+              </a:rPr>
+              <a:t>cortex A53</a:t>
+            </a:r>
+            <a:r>
+              <a:rPr lang="zh-CN" altLang="en-US" sz="2400" dirty="0">
+                <a:solidFill>
+                  <a:srgbClr val="0F3C6A"/>
+                </a:solidFill>
+                <a:latin typeface="微软雅黑" panose="020B0503020204020204" pitchFamily="34" charset="-122"/>
+                <a:ea typeface="微软雅黑" panose="020B0503020204020204" pitchFamily="34" charset="-122"/>
+                <a:cs typeface="微软雅黑" panose="020B0503020204020204" pitchFamily="34" charset="-122"/>
+              </a:rPr>
+              <a:t>构架搭建测试平台，可实现取图与识别的过程。</a:t>
+            </a:r>
+          </a:p>
+        </p:txBody>
+      </p:sp>
+      <p:sp>
+        <p:nvSpPr>
+          <p:cNvPr id="4" name="TextBox 27"/>
+          <p:cNvSpPr txBox="1">
+            <a:spLocks noChangeArrowheads="1"/>
+          </p:cNvSpPr>
+          <p:nvPr/>
+        </p:nvSpPr>
+        <p:spPr bwMode="auto">
+          <a:xfrm>
+            <a:off x="869315" y="156210"/>
+            <a:ext cx="2577465" cy="645160"/>
+          </a:xfrm>
+          <a:prstGeom prst="rect">
+            <a:avLst/>
+          </a:prstGeom>
+          <a:noFill/>
+          <a:ln>
+            <a:noFill/>
+          </a:ln>
+          <a:extLst>
+            <a:ext uri="{909E8E84-426E-40DD-AFC4-6F175D3DCCD1}">
+              <a14:hiddenFill xmlns:a14="http://schemas.microsoft.com/office/drawing/2010/main">
+                <a:solidFill>
+                  <a:srgbClr val="FFFFFF"/>
+                </a:solidFill>
+              </a14:hiddenFill>
+            </a:ext>
+            <a:ext uri="{91240B29-F687-4F45-9708-019B960494DF}">
+              <a14:hiddenLine xmlns:a14="http://schemas.microsoft.com/office/drawing/2010/main" w="9525">
+                <a:solidFill>
+                  <a:srgbClr val="000000"/>
+                </a:solidFill>
+                <a:miter lim="800000"/>
+                <a:headEnd/>
+                <a:tailEnd/>
+              </a14:hiddenLine>
+            </a:ext>
+          </a:extLst>
+        </p:spPr>
+        <p:txBody>
+          <a:bodyPr wrap="square">
+            <a:spAutoFit/>
+          </a:bodyPr>
+          <a:lstStyle>
+            <a:lvl1pPr>
+              <a:defRPr>
+                <a:solidFill>
+                  <a:schemeClr val="tx1"/>
+                </a:solidFill>
+                <a:latin typeface="Arial" panose="020B0604020202020204" pitchFamily="34" charset="0"/>
+                <a:ea typeface="宋体" panose="02010600030101010101" pitchFamily="2" charset="-122"/>
+              </a:defRPr>
+            </a:lvl1pPr>
+            <a:lvl2pPr marL="742950" indent="-285750">
+              <a:defRPr>
+                <a:solidFill>
+                  <a:schemeClr val="tx1"/>
+                </a:solidFill>
+                <a:latin typeface="Arial" panose="020B0604020202020204" pitchFamily="34" charset="0"/>
+                <a:ea typeface="宋体" panose="02010600030101010101" pitchFamily="2" charset="-122"/>
+              </a:defRPr>
+            </a:lvl2pPr>
+            <a:lvl3pPr marL="1143000" indent="-228600">
+              <a:defRPr>
+                <a:solidFill>
+                  <a:schemeClr val="tx1"/>
+                </a:solidFill>
+                <a:latin typeface="Arial" panose="020B0604020202020204" pitchFamily="34" charset="0"/>
+                <a:ea typeface="宋体" panose="02010600030101010101" pitchFamily="2" charset="-122"/>
+              </a:defRPr>
+            </a:lvl3pPr>
+            <a:lvl4pPr marL="1600200" indent="-228600">
+              <a:defRPr>
+                <a:solidFill>
+                  <a:schemeClr val="tx1"/>
+                </a:solidFill>
+                <a:latin typeface="Arial" panose="020B0604020202020204" pitchFamily="34" charset="0"/>
+                <a:ea typeface="宋体" panose="02010600030101010101" pitchFamily="2" charset="-122"/>
+              </a:defRPr>
+            </a:lvl4pPr>
+            <a:lvl5pPr marL="2057400" indent="-228600">
+              <a:defRPr>
+                <a:solidFill>
+                  <a:schemeClr val="tx1"/>
+                </a:solidFill>
+                <a:latin typeface="Arial" panose="020B0604020202020204" pitchFamily="34" charset="0"/>
+                <a:ea typeface="宋体" panose="02010600030101010101" pitchFamily="2" charset="-122"/>
+              </a:defRPr>
+            </a:lvl5pPr>
+            <a:lvl6pPr marL="2514600" indent="-228600" eaLnBrk="0" fontAlgn="base" hangingPunct="0">
+              <a:spcBef>
+                <a:spcPct val="0"/>
+              </a:spcBef>
+              <a:spcAft>
+                <a:spcPct val="0"/>
+              </a:spcAft>
+              <a:defRPr>
+                <a:solidFill>
+                  <a:schemeClr val="tx1"/>
+                </a:solidFill>
+                <a:latin typeface="Arial" panose="020B0604020202020204" pitchFamily="34" charset="0"/>
+                <a:ea typeface="宋体" panose="02010600030101010101" pitchFamily="2" charset="-122"/>
+              </a:defRPr>
+            </a:lvl6pPr>
+            <a:lvl7pPr marL="2971800" indent="-228600" eaLnBrk="0" fontAlgn="base" hangingPunct="0">
+              <a:spcBef>
+                <a:spcPct val="0"/>
+              </a:spcBef>
+              <a:spcAft>
+                <a:spcPct val="0"/>
+              </a:spcAft>
+              <a:defRPr>
+                <a:solidFill>
+                  <a:schemeClr val="tx1"/>
+                </a:solidFill>
+                <a:latin typeface="Arial" panose="020B0604020202020204" pitchFamily="34" charset="0"/>
+                <a:ea typeface="宋体" panose="02010600030101010101" pitchFamily="2" charset="-122"/>
+              </a:defRPr>
+            </a:lvl7pPr>
+            <a:lvl8pPr marL="3429000" indent="-228600" eaLnBrk="0" fontAlgn="base" hangingPunct="0">
+              <a:spcBef>
+                <a:spcPct val="0"/>
+              </a:spcBef>
+              <a:spcAft>
+                <a:spcPct val="0"/>
+              </a:spcAft>
+              <a:defRPr>
+                <a:solidFill>
+                  <a:schemeClr val="tx1"/>
+                </a:solidFill>
+                <a:latin typeface="Arial" panose="020B0604020202020204" pitchFamily="34" charset="0"/>
+                <a:ea typeface="宋体" panose="02010600030101010101" pitchFamily="2" charset="-122"/>
+              </a:defRPr>
+            </a:lvl8pPr>
+            <a:lvl9pPr marL="3886200" indent="-228600" eaLnBrk="0" fontAlgn="base" hangingPunct="0">
+              <a:spcBef>
+                <a:spcPct val="0"/>
+              </a:spcBef>
+              <a:spcAft>
+                <a:spcPct val="0"/>
+              </a:spcAft>
+              <a:defRPr>
+                <a:solidFill>
+                  <a:schemeClr val="tx1"/>
+                </a:solidFill>
+                <a:latin typeface="Arial" panose="020B0604020202020204" pitchFamily="34" charset="0"/>
+                <a:ea typeface="宋体" panose="02010600030101010101" pitchFamily="2" charset="-122"/>
+              </a:defRPr>
+            </a:lvl9pPr>
+          </a:lstStyle>
+          <a:p>
+            <a:pPr eaLnBrk="1" hangingPunct="1"/>
+            <a:r>
+              <a:rPr lang="zh-CN" altLang="en-US" sz="3600" b="1" dirty="0">
+                <a:solidFill>
+                  <a:srgbClr val="113E6A"/>
+                </a:solidFill>
+                <a:latin typeface="微软雅黑" panose="020B0503020204020204" pitchFamily="34" charset="-122"/>
+                <a:ea typeface="微软雅黑" panose="020B0503020204020204" pitchFamily="34" charset="-122"/>
+              </a:rPr>
+              <a:t>前期工作</a:t>
+            </a:r>
+          </a:p>
+        </p:txBody>
+      </p:sp>
+      <p:pic>
+        <p:nvPicPr>
+          <p:cNvPr id="5" name="图片 4" descr="LinkVision标志"/>
+          <p:cNvPicPr>
+            <a:picLocks noChangeAspect="1"/>
+          </p:cNvPicPr>
+          <p:nvPr/>
+        </p:nvPicPr>
+        <p:blipFill>
+          <a:blip r:embed="rId2" cstate="print"/>
+          <a:srcRect l="19091" t="30800" r="11749" b="32730"/>
+          <a:stretch>
+            <a:fillRect/>
+          </a:stretch>
+        </p:blipFill>
+        <p:spPr>
+          <a:xfrm>
+            <a:off x="9377680" y="177165"/>
+            <a:ext cx="2192655" cy="552450"/>
+          </a:xfrm>
+          <a:prstGeom prst="rect">
+            <a:avLst/>
+          </a:prstGeom>
+        </p:spPr>
+      </p:pic>
+      <p:sp>
+        <p:nvSpPr>
+          <p:cNvPr id="2" name="文本框 1"/>
+          <p:cNvSpPr txBox="1"/>
+          <p:nvPr/>
+        </p:nvSpPr>
+        <p:spPr>
+          <a:xfrm>
+            <a:off x="913130" y="1200150"/>
+            <a:ext cx="6228080" cy="521970"/>
+          </a:xfrm>
+          <a:prstGeom prst="rect">
+            <a:avLst/>
+          </a:prstGeom>
+          <a:noFill/>
+        </p:spPr>
+        <p:txBody>
+          <a:bodyPr wrap="none" rtlCol="0">
+            <a:spAutoFit/>
+          </a:bodyPr>
+          <a:lstStyle/>
+          <a:p>
+            <a:pPr algn="l"/>
+            <a:r>
+              <a:rPr lang="zh-CN" altLang="en-US" sz="2800" b="1" dirty="0">
+                <a:solidFill>
+                  <a:srgbClr val="00B0F0"/>
+                </a:solidFill>
+                <a:latin typeface="微软雅黑" panose="020B0503020204020204" pitchFamily="34" charset="-122"/>
+                <a:ea typeface="微软雅黑" panose="020B0503020204020204" pitchFamily="34" charset="-122"/>
+                <a:sym typeface="+mn-ea"/>
+              </a:rPr>
+              <a:t>主要在于：定位与识别的软、硬件平台</a:t>
+            </a:r>
+          </a:p>
+        </p:txBody>
+      </p:sp>
+    </p:spTree>
+  </p:cSld>
+  <p:clrMapOvr>
+    <a:masterClrMapping/>
+  </p:clrMapOvr>
+  <mc:AlternateContent xmlns:mc="http://schemas.openxmlformats.org/markup-compatibility/2006" xmlns:p14="http://schemas.microsoft.com/office/powerpoint/2010/main">
+    <mc:Choice Requires="p14">
+      <p:transition p14:dur="250">
+        <p:fade/>
+      </p:transition>
+    </mc:Choice>
+    <mc:Fallback xmlns="">
+      <p:transition>
+        <p:fade/>
+      </p:transition>
+    </mc:Fallback>
+  </mc:AlternateContent>
+</p:sld>
+</file>
+
+<file path=ppt/slides/slide11.xml><?xml version="1.0" encoding="utf-8"?>
 <p:sld xmlns:a="http://schemas.openxmlformats.org/drawingml/2006/main" xmlns:r="http://schemas.openxmlformats.org/officeDocument/2006/relationships" xmlns:p="http://schemas.openxmlformats.org/presentationml/2006/main" showMasterSp="0">
   <p:cSld>
     <p:spTree>
@@ -10408,6 +11181,2163 @@
           </a:prstGeom>
         </p:spPr>
       </p:pic>
+      <p:sp>
+        <p:nvSpPr>
+          <p:cNvPr id="4" name="矩形 3">
+            <a:extLst>
+              <a:ext uri="{FF2B5EF4-FFF2-40B4-BE49-F238E27FC236}">
+                <a16:creationId xmlns:a16="http://schemas.microsoft.com/office/drawing/2014/main" id="{F09D2081-B670-4829-9DFA-FCDCFA33C808}"/>
+              </a:ext>
+            </a:extLst>
+          </p:cNvPr>
+          <p:cNvSpPr/>
+          <p:nvPr/>
+        </p:nvSpPr>
+        <p:spPr>
+          <a:xfrm>
+            <a:off x="310788" y="1055058"/>
+            <a:ext cx="11562158" cy="499624"/>
+          </a:xfrm>
+          <a:prstGeom prst="rect">
+            <a:avLst/>
+          </a:prstGeom>
+          <a:solidFill>
+            <a:schemeClr val="tx2">
+              <a:lumMod val="90000"/>
+            </a:schemeClr>
+          </a:solidFill>
+        </p:spPr>
+        <p:txBody>
+          <a:bodyPr wrap="square">
+            <a:spAutoFit/>
+          </a:bodyPr>
+          <a:lstStyle/>
+          <a:p>
+            <a:pPr marL="285750" indent="-285750" algn="just">
+              <a:lnSpc>
+                <a:spcPct val="150000"/>
+              </a:lnSpc>
+              <a:buFont typeface="Wingdings" panose="05000000000000000000" pitchFamily="2" charset="2"/>
+              <a:buChar char="l"/>
+            </a:pPr>
+            <a:r>
+              <a:rPr lang="zh-CN" altLang="en-US" sz="2000" dirty="0" smtClean="0">
+                <a:solidFill>
+                  <a:schemeClr val="accent1"/>
+                </a:solidFill>
+                <a:latin typeface="微软雅黑" pitchFamily="34" charset="-122"/>
+                <a:ea typeface="微软雅黑" pitchFamily="34" charset="-122"/>
+              </a:rPr>
+              <a:t>针对复杂背景下的条码检测依然</a:t>
+            </a:r>
+            <a:r>
+              <a:rPr lang="zh-CN" altLang="en-US" sz="2000" b="1" dirty="0" smtClean="0">
+                <a:solidFill>
+                  <a:schemeClr val="accent1"/>
+                </a:solidFill>
+                <a:latin typeface="微软雅黑" pitchFamily="34" charset="-122"/>
+                <a:ea typeface="微软雅黑" pitchFamily="34" charset="-122"/>
+              </a:rPr>
+              <a:t>效果不佳</a:t>
+            </a:r>
+            <a:endParaRPr lang="zh-CN" altLang="en-US" sz="2000" b="1" dirty="0">
+              <a:solidFill>
+                <a:schemeClr val="accent1"/>
+              </a:solidFill>
+              <a:latin typeface="微软雅黑" pitchFamily="34" charset="-122"/>
+              <a:ea typeface="微软雅黑" pitchFamily="34" charset="-122"/>
+            </a:endParaRPr>
+          </a:p>
+        </p:txBody>
+      </p:sp>
+      <p:graphicFrame>
+        <p:nvGraphicFramePr>
+          <p:cNvPr id="6" name="表格 5"/>
+          <p:cNvGraphicFramePr>
+            <a:graphicFrameLocks noGrp="1"/>
+          </p:cNvGraphicFramePr>
+          <p:nvPr>
+            <p:extLst>
+              <p:ext uri="{D42A27DB-BD31-4B8C-83A1-F6EECF244321}">
+                <p14:modId xmlns:p14="http://schemas.microsoft.com/office/powerpoint/2010/main" val="3933809448"/>
+              </p:ext>
+            </p:extLst>
+          </p:nvPr>
+        </p:nvGraphicFramePr>
+        <p:xfrm>
+          <a:off x="337741" y="2016678"/>
+          <a:ext cx="11548236" cy="4552840"/>
+        </p:xfrm>
+        <a:graphic>
+          <a:graphicData uri="http://schemas.openxmlformats.org/drawingml/2006/table">
+            <a:tbl>
+              <a:tblPr firstRow="1" bandRow="1">
+                <a:tableStyleId>{5940675A-B579-460E-94D1-54222C63F5DA}</a:tableStyleId>
+              </a:tblPr>
+              <a:tblGrid>
+                <a:gridCol w="324492">
+                  <a:extLst>
+                    <a:ext uri="{9D8B030D-6E8A-4147-A177-3AD203B41FA5}">
+                      <a16:colId xmlns:a16="http://schemas.microsoft.com/office/drawing/2014/main" val="20000"/>
+                    </a:ext>
+                  </a:extLst>
+                </a:gridCol>
+                <a:gridCol w="1870624">
+                  <a:extLst>
+                    <a:ext uri="{9D8B030D-6E8A-4147-A177-3AD203B41FA5}">
+                      <a16:colId xmlns:a16="http://schemas.microsoft.com/office/drawing/2014/main" val="20001"/>
+                    </a:ext>
+                  </a:extLst>
+                </a:gridCol>
+                <a:gridCol w="1870624">
+                  <a:extLst>
+                    <a:ext uri="{9D8B030D-6E8A-4147-A177-3AD203B41FA5}">
+                      <a16:colId xmlns:a16="http://schemas.microsoft.com/office/drawing/2014/main" val="20002"/>
+                    </a:ext>
+                  </a:extLst>
+                </a:gridCol>
+                <a:gridCol w="1870624">
+                  <a:extLst>
+                    <a:ext uri="{9D8B030D-6E8A-4147-A177-3AD203B41FA5}">
+                      <a16:colId xmlns:a16="http://schemas.microsoft.com/office/drawing/2014/main" val="20003"/>
+                    </a:ext>
+                  </a:extLst>
+                </a:gridCol>
+                <a:gridCol w="1870624">
+                  <a:extLst>
+                    <a:ext uri="{9D8B030D-6E8A-4147-A177-3AD203B41FA5}">
+                      <a16:colId xmlns:a16="http://schemas.microsoft.com/office/drawing/2014/main" val="20004"/>
+                    </a:ext>
+                  </a:extLst>
+                </a:gridCol>
+                <a:gridCol w="1870624">
+                  <a:extLst>
+                    <a:ext uri="{9D8B030D-6E8A-4147-A177-3AD203B41FA5}">
+                      <a16:colId xmlns:a16="http://schemas.microsoft.com/office/drawing/2014/main" val="20005"/>
+                    </a:ext>
+                  </a:extLst>
+                </a:gridCol>
+                <a:gridCol w="1870624">
+                  <a:extLst>
+                    <a:ext uri="{9D8B030D-6E8A-4147-A177-3AD203B41FA5}">
+                      <a16:colId xmlns:a16="http://schemas.microsoft.com/office/drawing/2014/main" val="20006"/>
+                    </a:ext>
+                  </a:extLst>
+                </a:gridCol>
+              </a:tblGrid>
+              <a:tr h="435034">
+                <a:tc>
+                  <a:txBody>
+                    <a:bodyPr/>
+                    <a:lstStyle/>
+                    <a:p>
+                      <a:pPr algn="ctr"/>
+                      <a:endParaRPr lang="zh-CN" altLang="en-US" sz="2000" b="1" dirty="0">
+                        <a:solidFill>
+                          <a:srgbClr val="000066"/>
+                        </a:solidFill>
+                        <a:latin typeface="微软雅黑" pitchFamily="34" charset="-122"/>
+                        <a:ea typeface="微软雅黑" pitchFamily="34" charset="-122"/>
+                      </a:endParaRPr>
+                    </a:p>
+                  </a:txBody>
+                  <a:tcPr marL="91449" marR="91449" marT="45716" marB="45716" anchor="ctr">
+                    <a:lnL w="12700" cap="flat" cmpd="sng" algn="ctr">
+                      <a:solidFill>
+                        <a:schemeClr val="accent1"/>
+                      </a:solidFill>
+                      <a:prstDash val="solid"/>
+                      <a:round/>
+                      <a:headEnd type="none" w="med" len="med"/>
+                      <a:tailEnd type="none" w="med" len="med"/>
+                    </a:lnL>
+                    <a:lnR w="12700" cap="flat" cmpd="sng" algn="ctr">
+                      <a:solidFill>
+                        <a:schemeClr val="accent1"/>
+                      </a:solidFill>
+                      <a:prstDash val="solid"/>
+                      <a:round/>
+                      <a:headEnd type="none" w="med" len="med"/>
+                      <a:tailEnd type="none" w="med" len="med"/>
+                    </a:lnR>
+                    <a:lnT w="12700" cap="flat" cmpd="sng" algn="ctr">
+                      <a:solidFill>
+                        <a:schemeClr val="accent1"/>
+                      </a:solidFill>
+                      <a:prstDash val="solid"/>
+                      <a:round/>
+                      <a:headEnd type="none" w="med" len="med"/>
+                      <a:tailEnd type="none" w="med" len="med"/>
+                    </a:lnT>
+                    <a:lnB w="12700" cap="flat" cmpd="sng" algn="ctr">
+                      <a:solidFill>
+                        <a:schemeClr val="accent1"/>
+                      </a:solidFill>
+                      <a:prstDash val="solid"/>
+                      <a:round/>
+                      <a:headEnd type="none" w="med" len="med"/>
+                      <a:tailEnd type="none" w="med" len="med"/>
+                    </a:lnB>
+                    <a:noFill/>
+                  </a:tcPr>
+                </a:tc>
+                <a:tc>
+                  <a:txBody>
+                    <a:bodyPr/>
+                    <a:lstStyle/>
+                    <a:p>
+                      <a:pPr algn="ctr"/>
+                      <a:r>
+                        <a:rPr lang="en-US" altLang="zh-CN" sz="2000" b="1" dirty="0" smtClean="0">
+                          <a:solidFill>
+                            <a:schemeClr val="accent1"/>
+                          </a:solidFill>
+                          <a:latin typeface="微软雅黑" pitchFamily="34" charset="-122"/>
+                          <a:ea typeface="微软雅黑" pitchFamily="34" charset="-122"/>
+                        </a:rPr>
+                        <a:t>Radiant</a:t>
+                      </a:r>
+                    </a:p>
+                    <a:p>
+                      <a:pPr algn="ctr"/>
+                      <a:r>
+                        <a:rPr lang="zh-CN" altLang="en-US" sz="2000" b="1" dirty="0" smtClean="0">
+                          <a:solidFill>
+                            <a:schemeClr val="accent1"/>
+                          </a:solidFill>
+                          <a:latin typeface="微软雅黑" pitchFamily="34" charset="-122"/>
+                          <a:ea typeface="微软雅黑" pitchFamily="34" charset="-122"/>
+                        </a:rPr>
+                        <a:t>（美国）</a:t>
+                      </a:r>
+                      <a:endParaRPr lang="zh-CN" altLang="en-US" sz="2000" b="1" dirty="0">
+                        <a:solidFill>
+                          <a:schemeClr val="accent1"/>
+                        </a:solidFill>
+                        <a:latin typeface="微软雅黑" pitchFamily="34" charset="-122"/>
+                        <a:ea typeface="微软雅黑" pitchFamily="34" charset="-122"/>
+                      </a:endParaRPr>
+                    </a:p>
+                  </a:txBody>
+                  <a:tcPr marL="91449" marR="91449" marT="45716" marB="45716">
+                    <a:lnL w="12700" cap="flat" cmpd="sng" algn="ctr">
+                      <a:solidFill>
+                        <a:schemeClr val="accent1"/>
+                      </a:solidFill>
+                      <a:prstDash val="solid"/>
+                      <a:round/>
+                      <a:headEnd type="none" w="med" len="med"/>
+                      <a:tailEnd type="none" w="med" len="med"/>
+                    </a:lnL>
+                    <a:lnR w="12700" cap="flat" cmpd="sng" algn="ctr">
+                      <a:solidFill>
+                        <a:schemeClr val="accent1"/>
+                      </a:solidFill>
+                      <a:prstDash val="solid"/>
+                      <a:round/>
+                      <a:headEnd type="none" w="med" len="med"/>
+                      <a:tailEnd type="none" w="med" len="med"/>
+                    </a:lnR>
+                    <a:lnT w="12700" cap="flat" cmpd="sng" algn="ctr">
+                      <a:solidFill>
+                        <a:schemeClr val="accent1"/>
+                      </a:solidFill>
+                      <a:prstDash val="solid"/>
+                      <a:round/>
+                      <a:headEnd type="none" w="med" len="med"/>
+                      <a:tailEnd type="none" w="med" len="med"/>
+                    </a:lnT>
+                    <a:lnB w="12700" cap="flat" cmpd="sng" algn="ctr">
+                      <a:solidFill>
+                        <a:schemeClr val="accent1"/>
+                      </a:solidFill>
+                      <a:prstDash val="solid"/>
+                      <a:round/>
+                      <a:headEnd type="none" w="med" len="med"/>
+                      <a:tailEnd type="none" w="med" len="med"/>
+                    </a:lnB>
+                    <a:noFill/>
+                  </a:tcPr>
+                </a:tc>
+                <a:tc>
+                  <a:txBody>
+                    <a:bodyPr/>
+                    <a:lstStyle/>
+                    <a:p>
+                      <a:pPr algn="ctr"/>
+                      <a:r>
+                        <a:rPr lang="en-US" altLang="zh-CN" sz="2000" b="1" dirty="0" smtClean="0">
+                          <a:solidFill>
+                            <a:schemeClr val="accent1"/>
+                          </a:solidFill>
+                          <a:latin typeface="微软雅黑" pitchFamily="34" charset="-122"/>
+                          <a:ea typeface="微软雅黑" pitchFamily="34" charset="-122"/>
+                        </a:rPr>
+                        <a:t>ISRA</a:t>
+                      </a:r>
+                    </a:p>
+                    <a:p>
+                      <a:pPr algn="ctr"/>
+                      <a:r>
+                        <a:rPr lang="zh-CN" altLang="en-US" sz="2000" b="1" dirty="0" smtClean="0">
+                          <a:solidFill>
+                            <a:schemeClr val="accent1"/>
+                          </a:solidFill>
+                          <a:latin typeface="微软雅黑" pitchFamily="34" charset="-122"/>
+                          <a:ea typeface="微软雅黑" pitchFamily="34" charset="-122"/>
+                        </a:rPr>
+                        <a:t>（德国）</a:t>
+                      </a:r>
+                      <a:endParaRPr lang="zh-CN" altLang="en-US" sz="2000" b="1" dirty="0">
+                        <a:solidFill>
+                          <a:schemeClr val="accent1"/>
+                        </a:solidFill>
+                        <a:latin typeface="微软雅黑" pitchFamily="34" charset="-122"/>
+                        <a:ea typeface="微软雅黑" pitchFamily="34" charset="-122"/>
+                      </a:endParaRPr>
+                    </a:p>
+                  </a:txBody>
+                  <a:tcPr marL="91449" marR="91449" marT="45716" marB="45716">
+                    <a:lnL w="12700" cap="flat" cmpd="sng" algn="ctr">
+                      <a:solidFill>
+                        <a:schemeClr val="accent1"/>
+                      </a:solidFill>
+                      <a:prstDash val="solid"/>
+                      <a:round/>
+                      <a:headEnd type="none" w="med" len="med"/>
+                      <a:tailEnd type="none" w="med" len="med"/>
+                    </a:lnL>
+                    <a:lnR w="12700" cap="flat" cmpd="sng" algn="ctr">
+                      <a:solidFill>
+                        <a:schemeClr val="accent1"/>
+                      </a:solidFill>
+                      <a:prstDash val="solid"/>
+                      <a:round/>
+                      <a:headEnd type="none" w="med" len="med"/>
+                      <a:tailEnd type="none" w="med" len="med"/>
+                    </a:lnR>
+                    <a:lnT w="12700" cap="flat" cmpd="sng" algn="ctr">
+                      <a:solidFill>
+                        <a:schemeClr val="accent1"/>
+                      </a:solidFill>
+                      <a:prstDash val="solid"/>
+                      <a:round/>
+                      <a:headEnd type="none" w="med" len="med"/>
+                      <a:tailEnd type="none" w="med" len="med"/>
+                    </a:lnT>
+                    <a:lnB w="12700" cap="flat" cmpd="sng" algn="ctr">
+                      <a:solidFill>
+                        <a:schemeClr val="accent1"/>
+                      </a:solidFill>
+                      <a:prstDash val="solid"/>
+                      <a:round/>
+                      <a:headEnd type="none" w="med" len="med"/>
+                      <a:tailEnd type="none" w="med" len="med"/>
+                    </a:lnB>
+                    <a:noFill/>
+                  </a:tcPr>
+                </a:tc>
+                <a:tc>
+                  <a:txBody>
+                    <a:bodyPr/>
+                    <a:lstStyle/>
+                    <a:p>
+                      <a:pPr algn="ctr"/>
+                      <a:r>
+                        <a:rPr lang="en-US" altLang="zh-CN" sz="2000" b="1" dirty="0" smtClean="0">
+                          <a:solidFill>
+                            <a:schemeClr val="accent1"/>
+                          </a:solidFill>
+                          <a:latin typeface="微软雅黑" pitchFamily="34" charset="-122"/>
+                          <a:ea typeface="微软雅黑" pitchFamily="34" charset="-122"/>
+                        </a:rPr>
+                        <a:t>FAST</a:t>
+                      </a:r>
+                    </a:p>
+                    <a:p>
+                      <a:pPr algn="ctr"/>
+                      <a:r>
+                        <a:rPr lang="zh-CN" altLang="en-US" sz="2000" b="1" dirty="0" smtClean="0">
+                          <a:solidFill>
+                            <a:schemeClr val="accent1"/>
+                          </a:solidFill>
+                          <a:latin typeface="微软雅黑" pitchFamily="34" charset="-122"/>
+                          <a:ea typeface="微软雅黑" pitchFamily="34" charset="-122"/>
+                        </a:rPr>
+                        <a:t>（日本）</a:t>
+                      </a:r>
+                      <a:endParaRPr lang="zh-CN" altLang="en-US" sz="2000" b="1" dirty="0">
+                        <a:solidFill>
+                          <a:schemeClr val="accent1"/>
+                        </a:solidFill>
+                        <a:latin typeface="微软雅黑" pitchFamily="34" charset="-122"/>
+                        <a:ea typeface="微软雅黑" pitchFamily="34" charset="-122"/>
+                      </a:endParaRPr>
+                    </a:p>
+                  </a:txBody>
+                  <a:tcPr marL="91449" marR="91449" marT="45716" marB="45716">
+                    <a:lnL w="12700" cap="flat" cmpd="sng" algn="ctr">
+                      <a:solidFill>
+                        <a:schemeClr val="accent1"/>
+                      </a:solidFill>
+                      <a:prstDash val="solid"/>
+                      <a:round/>
+                      <a:headEnd type="none" w="med" len="med"/>
+                      <a:tailEnd type="none" w="med" len="med"/>
+                    </a:lnL>
+                    <a:lnR w="12700" cap="flat" cmpd="sng" algn="ctr">
+                      <a:solidFill>
+                        <a:schemeClr val="accent1"/>
+                      </a:solidFill>
+                      <a:prstDash val="solid"/>
+                      <a:round/>
+                      <a:headEnd type="none" w="med" len="med"/>
+                      <a:tailEnd type="none" w="med" len="med"/>
+                    </a:lnR>
+                    <a:lnT w="12700" cap="flat" cmpd="sng" algn="ctr">
+                      <a:solidFill>
+                        <a:schemeClr val="accent1"/>
+                      </a:solidFill>
+                      <a:prstDash val="solid"/>
+                      <a:round/>
+                      <a:headEnd type="none" w="med" len="med"/>
+                      <a:tailEnd type="none" w="med" len="med"/>
+                    </a:lnT>
+                    <a:lnB w="12700" cap="flat" cmpd="sng" algn="ctr">
+                      <a:solidFill>
+                        <a:schemeClr val="accent1"/>
+                      </a:solidFill>
+                      <a:prstDash val="solid"/>
+                      <a:round/>
+                      <a:headEnd type="none" w="med" len="med"/>
+                      <a:tailEnd type="none" w="med" len="med"/>
+                    </a:lnB>
+                    <a:noFill/>
+                  </a:tcPr>
+                </a:tc>
+                <a:tc>
+                  <a:txBody>
+                    <a:bodyPr/>
+                    <a:lstStyle/>
+                    <a:p>
+                      <a:pPr algn="ctr"/>
+                      <a:r>
+                        <a:rPr lang="en-US" altLang="zh-CN" sz="2000" b="1" dirty="0" smtClean="0">
+                          <a:solidFill>
+                            <a:schemeClr val="accent1"/>
+                          </a:solidFill>
+                          <a:latin typeface="微软雅黑" pitchFamily="34" charset="-122"/>
+                          <a:ea typeface="微软雅黑" pitchFamily="34" charset="-122"/>
+                        </a:rPr>
+                        <a:t>MIRTEC</a:t>
+                      </a:r>
+                    </a:p>
+                    <a:p>
+                      <a:pPr marL="0" marR="0" indent="0" algn="ctr" defTabSz="914400" rtl="0" eaLnBrk="1" fontAlgn="auto" latinLnBrk="0" hangingPunct="1">
+                        <a:lnSpc>
+                          <a:spcPct val="100000"/>
+                        </a:lnSpc>
+                        <a:spcBef>
+                          <a:spcPts val="0"/>
+                        </a:spcBef>
+                        <a:spcAft>
+                          <a:spcPts val="0"/>
+                        </a:spcAft>
+                        <a:buClrTx/>
+                        <a:buSzTx/>
+                        <a:buFontTx/>
+                        <a:buNone/>
+                        <a:tabLst/>
+                        <a:defRPr/>
+                      </a:pPr>
+                      <a:r>
+                        <a:rPr lang="zh-CN" altLang="en-US" sz="2000" b="1" dirty="0" smtClean="0">
+                          <a:solidFill>
+                            <a:schemeClr val="accent1"/>
+                          </a:solidFill>
+                          <a:latin typeface="微软雅黑" pitchFamily="34" charset="-122"/>
+                          <a:ea typeface="微软雅黑" pitchFamily="34" charset="-122"/>
+                        </a:rPr>
+                        <a:t>（韩国）</a:t>
+                      </a:r>
+                      <a:endParaRPr lang="zh-CN" altLang="en-US" sz="2000" b="1" dirty="0">
+                        <a:solidFill>
+                          <a:schemeClr val="accent1"/>
+                        </a:solidFill>
+                        <a:latin typeface="微软雅黑" pitchFamily="34" charset="-122"/>
+                        <a:ea typeface="微软雅黑" pitchFamily="34" charset="-122"/>
+                      </a:endParaRPr>
+                    </a:p>
+                  </a:txBody>
+                  <a:tcPr marL="91449" marR="91449" marT="45716" marB="45716">
+                    <a:lnL w="12700" cap="flat" cmpd="sng" algn="ctr">
+                      <a:solidFill>
+                        <a:schemeClr val="accent1"/>
+                      </a:solidFill>
+                      <a:prstDash val="solid"/>
+                      <a:round/>
+                      <a:headEnd type="none" w="med" len="med"/>
+                      <a:tailEnd type="none" w="med" len="med"/>
+                    </a:lnL>
+                    <a:lnR w="12700" cap="flat" cmpd="sng" algn="ctr">
+                      <a:solidFill>
+                        <a:schemeClr val="accent1"/>
+                      </a:solidFill>
+                      <a:prstDash val="solid"/>
+                      <a:round/>
+                      <a:headEnd type="none" w="med" len="med"/>
+                      <a:tailEnd type="none" w="med" len="med"/>
+                    </a:lnR>
+                    <a:lnT w="12700" cap="flat" cmpd="sng" algn="ctr">
+                      <a:solidFill>
+                        <a:schemeClr val="accent1"/>
+                      </a:solidFill>
+                      <a:prstDash val="solid"/>
+                      <a:round/>
+                      <a:headEnd type="none" w="med" len="med"/>
+                      <a:tailEnd type="none" w="med" len="med"/>
+                    </a:lnT>
+                    <a:lnB w="12700" cap="flat" cmpd="sng" algn="ctr">
+                      <a:solidFill>
+                        <a:schemeClr val="accent1"/>
+                      </a:solidFill>
+                      <a:prstDash val="solid"/>
+                      <a:round/>
+                      <a:headEnd type="none" w="med" len="med"/>
+                      <a:tailEnd type="none" w="med" len="med"/>
+                    </a:lnB>
+                    <a:noFill/>
+                  </a:tcPr>
+                </a:tc>
+                <a:tc>
+                  <a:txBody>
+                    <a:bodyPr/>
+                    <a:lstStyle/>
+                    <a:p>
+                      <a:pPr algn="ctr"/>
+                      <a:r>
+                        <a:rPr lang="zh-CN" altLang="en-US" sz="2000" b="1" dirty="0" smtClean="0">
+                          <a:solidFill>
+                            <a:schemeClr val="accent1"/>
+                          </a:solidFill>
+                          <a:latin typeface="微软雅黑" pitchFamily="34" charset="-122"/>
+                          <a:ea typeface="微软雅黑" pitchFamily="34" charset="-122"/>
+                        </a:rPr>
+                        <a:t>由田新技</a:t>
+                      </a:r>
+                      <a:endParaRPr lang="en-US" altLang="zh-CN" sz="2000" b="1" dirty="0" smtClean="0">
+                        <a:solidFill>
+                          <a:schemeClr val="accent1"/>
+                        </a:solidFill>
+                        <a:latin typeface="微软雅黑" pitchFamily="34" charset="-122"/>
+                        <a:ea typeface="微软雅黑" pitchFamily="34" charset="-122"/>
+                      </a:endParaRPr>
+                    </a:p>
+                    <a:p>
+                      <a:pPr marL="0" marR="0" indent="0" algn="ctr" defTabSz="914400" rtl="0" eaLnBrk="1" fontAlgn="auto" latinLnBrk="0" hangingPunct="1">
+                        <a:lnSpc>
+                          <a:spcPct val="100000"/>
+                        </a:lnSpc>
+                        <a:spcBef>
+                          <a:spcPts val="0"/>
+                        </a:spcBef>
+                        <a:spcAft>
+                          <a:spcPts val="0"/>
+                        </a:spcAft>
+                        <a:buClrTx/>
+                        <a:buSzTx/>
+                        <a:buFontTx/>
+                        <a:buNone/>
+                        <a:tabLst/>
+                        <a:defRPr/>
+                      </a:pPr>
+                      <a:r>
+                        <a:rPr lang="zh-CN" altLang="en-US" sz="2000" b="1" dirty="0" smtClean="0">
+                          <a:solidFill>
+                            <a:schemeClr val="accent1"/>
+                          </a:solidFill>
+                          <a:latin typeface="微软雅黑" pitchFamily="34" charset="-122"/>
+                          <a:ea typeface="微软雅黑" pitchFamily="34" charset="-122"/>
+                        </a:rPr>
+                        <a:t>（中国台湾）</a:t>
+                      </a:r>
+                      <a:endParaRPr lang="zh-CN" altLang="en-US" sz="2000" b="1" dirty="0">
+                        <a:solidFill>
+                          <a:schemeClr val="accent1"/>
+                        </a:solidFill>
+                        <a:latin typeface="微软雅黑" pitchFamily="34" charset="-122"/>
+                        <a:ea typeface="微软雅黑" pitchFamily="34" charset="-122"/>
+                      </a:endParaRPr>
+                    </a:p>
+                  </a:txBody>
+                  <a:tcPr marL="91449" marR="91449" marT="45716" marB="45716">
+                    <a:lnL w="12700" cap="flat" cmpd="sng" algn="ctr">
+                      <a:solidFill>
+                        <a:schemeClr val="accent1"/>
+                      </a:solidFill>
+                      <a:prstDash val="solid"/>
+                      <a:round/>
+                      <a:headEnd type="none" w="med" len="med"/>
+                      <a:tailEnd type="none" w="med" len="med"/>
+                    </a:lnL>
+                    <a:lnR w="12700" cap="flat" cmpd="sng" algn="ctr">
+                      <a:solidFill>
+                        <a:schemeClr val="accent1"/>
+                      </a:solidFill>
+                      <a:prstDash val="solid"/>
+                      <a:round/>
+                      <a:headEnd type="none" w="med" len="med"/>
+                      <a:tailEnd type="none" w="med" len="med"/>
+                    </a:lnR>
+                    <a:lnT w="12700" cap="flat" cmpd="sng" algn="ctr">
+                      <a:solidFill>
+                        <a:schemeClr val="accent1"/>
+                      </a:solidFill>
+                      <a:prstDash val="solid"/>
+                      <a:round/>
+                      <a:headEnd type="none" w="med" len="med"/>
+                      <a:tailEnd type="none" w="med" len="med"/>
+                    </a:lnT>
+                    <a:lnB w="12700" cap="flat" cmpd="sng" algn="ctr">
+                      <a:solidFill>
+                        <a:schemeClr val="accent1"/>
+                      </a:solidFill>
+                      <a:prstDash val="solid"/>
+                      <a:round/>
+                      <a:headEnd type="none" w="med" len="med"/>
+                      <a:tailEnd type="none" w="med" len="med"/>
+                    </a:lnB>
+                    <a:noFill/>
+                  </a:tcPr>
+                </a:tc>
+                <a:tc>
+                  <a:txBody>
+                    <a:bodyPr/>
+                    <a:lstStyle/>
+                    <a:p>
+                      <a:pPr algn="ctr"/>
+                      <a:r>
+                        <a:rPr lang="zh-CN" altLang="en-US" sz="2000" b="1" dirty="0" smtClean="0">
+                          <a:solidFill>
+                            <a:schemeClr val="accent1"/>
+                          </a:solidFill>
+                          <a:latin typeface="微软雅黑" pitchFamily="34" charset="-122"/>
+                          <a:ea typeface="微软雅黑" pitchFamily="34" charset="-122"/>
+                        </a:rPr>
+                        <a:t>中导光电</a:t>
+                      </a:r>
+                      <a:endParaRPr lang="en-US" altLang="zh-CN" sz="2000" b="1" dirty="0" smtClean="0">
+                        <a:solidFill>
+                          <a:schemeClr val="accent1"/>
+                        </a:solidFill>
+                        <a:latin typeface="微软雅黑" pitchFamily="34" charset="-122"/>
+                        <a:ea typeface="微软雅黑" pitchFamily="34" charset="-122"/>
+                      </a:endParaRPr>
+                    </a:p>
+                    <a:p>
+                      <a:pPr algn="ctr"/>
+                      <a:r>
+                        <a:rPr lang="zh-CN" altLang="en-US" sz="2000" b="1" dirty="0" smtClean="0">
+                          <a:solidFill>
+                            <a:schemeClr val="accent1"/>
+                          </a:solidFill>
+                          <a:latin typeface="微软雅黑" pitchFamily="34" charset="-122"/>
+                          <a:ea typeface="微软雅黑" pitchFamily="34" charset="-122"/>
+                        </a:rPr>
+                        <a:t>（中国）</a:t>
+                      </a:r>
+                      <a:endParaRPr lang="zh-CN" altLang="en-US" sz="2000" b="1" dirty="0">
+                        <a:solidFill>
+                          <a:schemeClr val="accent1"/>
+                        </a:solidFill>
+                        <a:latin typeface="微软雅黑" pitchFamily="34" charset="-122"/>
+                        <a:ea typeface="微软雅黑" pitchFamily="34" charset="-122"/>
+                      </a:endParaRPr>
+                    </a:p>
+                  </a:txBody>
+                  <a:tcPr marL="91449" marR="91449" marT="45716" marB="45716">
+                    <a:lnL w="12700" cap="flat" cmpd="sng" algn="ctr">
+                      <a:solidFill>
+                        <a:schemeClr val="accent1"/>
+                      </a:solidFill>
+                      <a:prstDash val="solid"/>
+                      <a:round/>
+                      <a:headEnd type="none" w="med" len="med"/>
+                      <a:tailEnd type="none" w="med" len="med"/>
+                    </a:lnL>
+                    <a:lnR w="12700" cap="flat" cmpd="sng" algn="ctr">
+                      <a:solidFill>
+                        <a:schemeClr val="accent1"/>
+                      </a:solidFill>
+                      <a:prstDash val="solid"/>
+                      <a:round/>
+                      <a:headEnd type="none" w="med" len="med"/>
+                      <a:tailEnd type="none" w="med" len="med"/>
+                    </a:lnR>
+                    <a:lnT w="12700" cap="flat" cmpd="sng" algn="ctr">
+                      <a:solidFill>
+                        <a:schemeClr val="accent1"/>
+                      </a:solidFill>
+                      <a:prstDash val="solid"/>
+                      <a:round/>
+                      <a:headEnd type="none" w="med" len="med"/>
+                      <a:tailEnd type="none" w="med" len="med"/>
+                    </a:lnT>
+                    <a:lnB w="12700" cap="flat" cmpd="sng" algn="ctr">
+                      <a:solidFill>
+                        <a:schemeClr val="accent1"/>
+                      </a:solidFill>
+                      <a:prstDash val="solid"/>
+                      <a:round/>
+                      <a:headEnd type="none" w="med" len="med"/>
+                      <a:tailEnd type="none" w="med" len="med"/>
+                    </a:lnB>
+                    <a:noFill/>
+                  </a:tcPr>
+                </a:tc>
+                <a:extLst>
+                  <a:ext uri="{0D108BD9-81ED-4DB2-BD59-A6C34878D82A}">
+                    <a16:rowId xmlns:a16="http://schemas.microsoft.com/office/drawing/2014/main" val="10000"/>
+                  </a:ext>
+                </a:extLst>
+              </a:tr>
+              <a:tr h="1719402">
+                <a:tc>
+                  <a:txBody>
+                    <a:bodyPr/>
+                    <a:lstStyle/>
+                    <a:p>
+                      <a:pPr algn="ctr"/>
+                      <a:r>
+                        <a:rPr lang="zh-CN" altLang="en-US" sz="2000" b="1" dirty="0" smtClean="0">
+                          <a:solidFill>
+                            <a:schemeClr val="accent1"/>
+                          </a:solidFill>
+                          <a:latin typeface="微软雅黑" pitchFamily="34" charset="-122"/>
+                          <a:ea typeface="微软雅黑" pitchFamily="34" charset="-122"/>
+                        </a:rPr>
+                        <a:t>设备</a:t>
+                      </a:r>
+                      <a:endParaRPr lang="en-US" altLang="zh-CN" sz="2000" b="1" dirty="0" smtClean="0">
+                        <a:solidFill>
+                          <a:schemeClr val="accent1"/>
+                        </a:solidFill>
+                        <a:latin typeface="微软雅黑" pitchFamily="34" charset="-122"/>
+                        <a:ea typeface="微软雅黑" pitchFamily="34" charset="-122"/>
+                      </a:endParaRPr>
+                    </a:p>
+                  </a:txBody>
+                  <a:tcPr marL="91449" marR="91449" marT="45716" marB="45716" anchor="ctr">
+                    <a:lnL w="12700" cap="flat" cmpd="sng" algn="ctr">
+                      <a:solidFill>
+                        <a:schemeClr val="accent1"/>
+                      </a:solidFill>
+                      <a:prstDash val="solid"/>
+                      <a:round/>
+                      <a:headEnd type="none" w="med" len="med"/>
+                      <a:tailEnd type="none" w="med" len="med"/>
+                    </a:lnL>
+                    <a:lnR w="12700" cap="flat" cmpd="sng" algn="ctr">
+                      <a:solidFill>
+                        <a:schemeClr val="accent1"/>
+                      </a:solidFill>
+                      <a:prstDash val="solid"/>
+                      <a:round/>
+                      <a:headEnd type="none" w="med" len="med"/>
+                      <a:tailEnd type="none" w="med" len="med"/>
+                    </a:lnR>
+                    <a:lnT w="12700" cap="flat" cmpd="sng" algn="ctr">
+                      <a:solidFill>
+                        <a:schemeClr val="accent1"/>
+                      </a:solidFill>
+                      <a:prstDash val="solid"/>
+                      <a:round/>
+                      <a:headEnd type="none" w="med" len="med"/>
+                      <a:tailEnd type="none" w="med" len="med"/>
+                    </a:lnT>
+                    <a:lnB w="12700" cap="flat" cmpd="sng" algn="ctr">
+                      <a:solidFill>
+                        <a:schemeClr val="accent1"/>
+                      </a:solidFill>
+                      <a:prstDash val="solid"/>
+                      <a:round/>
+                      <a:headEnd type="none" w="med" len="med"/>
+                      <a:tailEnd type="none" w="med" len="med"/>
+                    </a:lnB>
+                    <a:noFill/>
+                  </a:tcPr>
+                </a:tc>
+                <a:tc>
+                  <a:txBody>
+                    <a:bodyPr/>
+                    <a:lstStyle/>
+                    <a:p>
+                      <a:pPr algn="ctr"/>
+                      <a:endParaRPr lang="zh-CN" altLang="en-US" sz="2000" b="1" dirty="0">
+                        <a:solidFill>
+                          <a:schemeClr val="accent1"/>
+                        </a:solidFill>
+                        <a:latin typeface="微软雅黑" pitchFamily="34" charset="-122"/>
+                        <a:ea typeface="微软雅黑" pitchFamily="34" charset="-122"/>
+                      </a:endParaRPr>
+                    </a:p>
+                  </a:txBody>
+                  <a:tcPr marL="91449" marR="91449" marT="45716" marB="45716">
+                    <a:lnL w="12700" cap="flat" cmpd="sng" algn="ctr">
+                      <a:solidFill>
+                        <a:schemeClr val="accent1"/>
+                      </a:solidFill>
+                      <a:prstDash val="solid"/>
+                      <a:round/>
+                      <a:headEnd type="none" w="med" len="med"/>
+                      <a:tailEnd type="none" w="med" len="med"/>
+                    </a:lnL>
+                    <a:lnR w="12700" cap="flat" cmpd="sng" algn="ctr">
+                      <a:solidFill>
+                        <a:schemeClr val="accent1"/>
+                      </a:solidFill>
+                      <a:prstDash val="solid"/>
+                      <a:round/>
+                      <a:headEnd type="none" w="med" len="med"/>
+                      <a:tailEnd type="none" w="med" len="med"/>
+                    </a:lnR>
+                    <a:lnT w="12700" cap="flat" cmpd="sng" algn="ctr">
+                      <a:solidFill>
+                        <a:schemeClr val="accent1"/>
+                      </a:solidFill>
+                      <a:prstDash val="solid"/>
+                      <a:round/>
+                      <a:headEnd type="none" w="med" len="med"/>
+                      <a:tailEnd type="none" w="med" len="med"/>
+                    </a:lnT>
+                    <a:lnB w="12700" cap="flat" cmpd="sng" algn="ctr">
+                      <a:solidFill>
+                        <a:schemeClr val="accent1"/>
+                      </a:solidFill>
+                      <a:prstDash val="solid"/>
+                      <a:round/>
+                      <a:headEnd type="none" w="med" len="med"/>
+                      <a:tailEnd type="none" w="med" len="med"/>
+                    </a:lnB>
+                  </a:tcPr>
+                </a:tc>
+                <a:tc>
+                  <a:txBody>
+                    <a:bodyPr/>
+                    <a:lstStyle/>
+                    <a:p>
+                      <a:pPr algn="ctr"/>
+                      <a:endParaRPr lang="zh-CN" altLang="en-US" sz="2000" b="1" dirty="0">
+                        <a:solidFill>
+                          <a:schemeClr val="accent1"/>
+                        </a:solidFill>
+                        <a:latin typeface="微软雅黑" pitchFamily="34" charset="-122"/>
+                        <a:ea typeface="微软雅黑" pitchFamily="34" charset="-122"/>
+                      </a:endParaRPr>
+                    </a:p>
+                  </a:txBody>
+                  <a:tcPr marL="91449" marR="91449" marT="45716" marB="45716">
+                    <a:lnL w="12700" cap="flat" cmpd="sng" algn="ctr">
+                      <a:solidFill>
+                        <a:schemeClr val="accent1"/>
+                      </a:solidFill>
+                      <a:prstDash val="solid"/>
+                      <a:round/>
+                      <a:headEnd type="none" w="med" len="med"/>
+                      <a:tailEnd type="none" w="med" len="med"/>
+                    </a:lnL>
+                    <a:lnR w="12700" cap="flat" cmpd="sng" algn="ctr">
+                      <a:solidFill>
+                        <a:schemeClr val="accent1"/>
+                      </a:solidFill>
+                      <a:prstDash val="solid"/>
+                      <a:round/>
+                      <a:headEnd type="none" w="med" len="med"/>
+                      <a:tailEnd type="none" w="med" len="med"/>
+                    </a:lnR>
+                    <a:lnT w="12700" cap="flat" cmpd="sng" algn="ctr">
+                      <a:solidFill>
+                        <a:schemeClr val="accent1"/>
+                      </a:solidFill>
+                      <a:prstDash val="solid"/>
+                      <a:round/>
+                      <a:headEnd type="none" w="med" len="med"/>
+                      <a:tailEnd type="none" w="med" len="med"/>
+                    </a:lnT>
+                    <a:lnB w="12700" cap="flat" cmpd="sng" algn="ctr">
+                      <a:solidFill>
+                        <a:schemeClr val="accent1"/>
+                      </a:solidFill>
+                      <a:prstDash val="solid"/>
+                      <a:round/>
+                      <a:headEnd type="none" w="med" len="med"/>
+                      <a:tailEnd type="none" w="med" len="med"/>
+                    </a:lnB>
+                  </a:tcPr>
+                </a:tc>
+                <a:tc>
+                  <a:txBody>
+                    <a:bodyPr/>
+                    <a:lstStyle/>
+                    <a:p>
+                      <a:pPr algn="ctr"/>
+                      <a:endParaRPr lang="zh-CN" altLang="en-US" sz="2000" b="1" dirty="0">
+                        <a:solidFill>
+                          <a:schemeClr val="accent1"/>
+                        </a:solidFill>
+                        <a:latin typeface="微软雅黑" pitchFamily="34" charset="-122"/>
+                        <a:ea typeface="微软雅黑" pitchFamily="34" charset="-122"/>
+                      </a:endParaRPr>
+                    </a:p>
+                  </a:txBody>
+                  <a:tcPr marL="91449" marR="91449" marT="45716" marB="45716">
+                    <a:lnL w="12700" cap="flat" cmpd="sng" algn="ctr">
+                      <a:solidFill>
+                        <a:schemeClr val="accent1"/>
+                      </a:solidFill>
+                      <a:prstDash val="solid"/>
+                      <a:round/>
+                      <a:headEnd type="none" w="med" len="med"/>
+                      <a:tailEnd type="none" w="med" len="med"/>
+                    </a:lnL>
+                    <a:lnR w="12700" cap="flat" cmpd="sng" algn="ctr">
+                      <a:solidFill>
+                        <a:schemeClr val="accent1"/>
+                      </a:solidFill>
+                      <a:prstDash val="solid"/>
+                      <a:round/>
+                      <a:headEnd type="none" w="med" len="med"/>
+                      <a:tailEnd type="none" w="med" len="med"/>
+                    </a:lnR>
+                    <a:lnT w="12700" cap="flat" cmpd="sng" algn="ctr">
+                      <a:solidFill>
+                        <a:schemeClr val="accent1"/>
+                      </a:solidFill>
+                      <a:prstDash val="solid"/>
+                      <a:round/>
+                      <a:headEnd type="none" w="med" len="med"/>
+                      <a:tailEnd type="none" w="med" len="med"/>
+                    </a:lnT>
+                    <a:lnB w="12700" cap="flat" cmpd="sng" algn="ctr">
+                      <a:solidFill>
+                        <a:schemeClr val="accent1"/>
+                      </a:solidFill>
+                      <a:prstDash val="solid"/>
+                      <a:round/>
+                      <a:headEnd type="none" w="med" len="med"/>
+                      <a:tailEnd type="none" w="med" len="med"/>
+                    </a:lnB>
+                  </a:tcPr>
+                </a:tc>
+                <a:tc>
+                  <a:txBody>
+                    <a:bodyPr/>
+                    <a:lstStyle/>
+                    <a:p>
+                      <a:pPr algn="ctr"/>
+                      <a:endParaRPr lang="zh-CN" altLang="en-US" sz="2000" b="1" dirty="0">
+                        <a:solidFill>
+                          <a:schemeClr val="accent1"/>
+                        </a:solidFill>
+                        <a:latin typeface="微软雅黑" pitchFamily="34" charset="-122"/>
+                        <a:ea typeface="微软雅黑" pitchFamily="34" charset="-122"/>
+                      </a:endParaRPr>
+                    </a:p>
+                  </a:txBody>
+                  <a:tcPr marL="91449" marR="91449" marT="45716" marB="45716">
+                    <a:lnL w="12700" cap="flat" cmpd="sng" algn="ctr">
+                      <a:solidFill>
+                        <a:schemeClr val="accent1"/>
+                      </a:solidFill>
+                      <a:prstDash val="solid"/>
+                      <a:round/>
+                      <a:headEnd type="none" w="med" len="med"/>
+                      <a:tailEnd type="none" w="med" len="med"/>
+                    </a:lnL>
+                    <a:lnR w="12700" cap="flat" cmpd="sng" algn="ctr">
+                      <a:solidFill>
+                        <a:schemeClr val="accent1"/>
+                      </a:solidFill>
+                      <a:prstDash val="solid"/>
+                      <a:round/>
+                      <a:headEnd type="none" w="med" len="med"/>
+                      <a:tailEnd type="none" w="med" len="med"/>
+                    </a:lnR>
+                    <a:lnT w="12700" cap="flat" cmpd="sng" algn="ctr">
+                      <a:solidFill>
+                        <a:schemeClr val="accent1"/>
+                      </a:solidFill>
+                      <a:prstDash val="solid"/>
+                      <a:round/>
+                      <a:headEnd type="none" w="med" len="med"/>
+                      <a:tailEnd type="none" w="med" len="med"/>
+                    </a:lnT>
+                    <a:lnB w="12700" cap="flat" cmpd="sng" algn="ctr">
+                      <a:solidFill>
+                        <a:schemeClr val="accent1"/>
+                      </a:solidFill>
+                      <a:prstDash val="solid"/>
+                      <a:round/>
+                      <a:headEnd type="none" w="med" len="med"/>
+                      <a:tailEnd type="none" w="med" len="med"/>
+                    </a:lnB>
+                  </a:tcPr>
+                </a:tc>
+                <a:tc>
+                  <a:txBody>
+                    <a:bodyPr/>
+                    <a:lstStyle/>
+                    <a:p>
+                      <a:pPr algn="ctr"/>
+                      <a:endParaRPr lang="zh-CN" altLang="en-US" sz="2000" b="1" dirty="0">
+                        <a:solidFill>
+                          <a:schemeClr val="accent1"/>
+                        </a:solidFill>
+                        <a:latin typeface="微软雅黑" pitchFamily="34" charset="-122"/>
+                        <a:ea typeface="微软雅黑" pitchFamily="34" charset="-122"/>
+                      </a:endParaRPr>
+                    </a:p>
+                  </a:txBody>
+                  <a:tcPr marL="91449" marR="91449" marT="45716" marB="45716">
+                    <a:lnL w="12700" cap="flat" cmpd="sng" algn="ctr">
+                      <a:solidFill>
+                        <a:schemeClr val="accent1"/>
+                      </a:solidFill>
+                      <a:prstDash val="solid"/>
+                      <a:round/>
+                      <a:headEnd type="none" w="med" len="med"/>
+                      <a:tailEnd type="none" w="med" len="med"/>
+                    </a:lnL>
+                    <a:lnR w="12700" cap="flat" cmpd="sng" algn="ctr">
+                      <a:solidFill>
+                        <a:schemeClr val="accent1"/>
+                      </a:solidFill>
+                      <a:prstDash val="solid"/>
+                      <a:round/>
+                      <a:headEnd type="none" w="med" len="med"/>
+                      <a:tailEnd type="none" w="med" len="med"/>
+                    </a:lnR>
+                    <a:lnT w="12700" cap="flat" cmpd="sng" algn="ctr">
+                      <a:solidFill>
+                        <a:schemeClr val="accent1"/>
+                      </a:solidFill>
+                      <a:prstDash val="solid"/>
+                      <a:round/>
+                      <a:headEnd type="none" w="med" len="med"/>
+                      <a:tailEnd type="none" w="med" len="med"/>
+                    </a:lnT>
+                    <a:lnB w="12700" cap="flat" cmpd="sng" algn="ctr">
+                      <a:solidFill>
+                        <a:schemeClr val="accent1"/>
+                      </a:solidFill>
+                      <a:prstDash val="solid"/>
+                      <a:round/>
+                      <a:headEnd type="none" w="med" len="med"/>
+                      <a:tailEnd type="none" w="med" len="med"/>
+                    </a:lnB>
+                  </a:tcPr>
+                </a:tc>
+                <a:tc>
+                  <a:txBody>
+                    <a:bodyPr/>
+                    <a:lstStyle/>
+                    <a:p>
+                      <a:pPr algn="ctr"/>
+                      <a:endParaRPr lang="zh-CN" altLang="en-US" sz="2000" b="1" dirty="0">
+                        <a:solidFill>
+                          <a:schemeClr val="accent1"/>
+                        </a:solidFill>
+                        <a:latin typeface="微软雅黑" pitchFamily="34" charset="-122"/>
+                        <a:ea typeface="微软雅黑" pitchFamily="34" charset="-122"/>
+                      </a:endParaRPr>
+                    </a:p>
+                  </a:txBody>
+                  <a:tcPr marL="91449" marR="91449" marT="45716" marB="45716">
+                    <a:lnL w="12700" cap="flat" cmpd="sng" algn="ctr">
+                      <a:solidFill>
+                        <a:schemeClr val="accent1"/>
+                      </a:solidFill>
+                      <a:prstDash val="solid"/>
+                      <a:round/>
+                      <a:headEnd type="none" w="med" len="med"/>
+                      <a:tailEnd type="none" w="med" len="med"/>
+                    </a:lnL>
+                    <a:lnR w="12700" cap="flat" cmpd="sng" algn="ctr">
+                      <a:solidFill>
+                        <a:schemeClr val="accent1"/>
+                      </a:solidFill>
+                      <a:prstDash val="solid"/>
+                      <a:round/>
+                      <a:headEnd type="none" w="med" len="med"/>
+                      <a:tailEnd type="none" w="med" len="med"/>
+                    </a:lnR>
+                    <a:lnT w="12700" cap="flat" cmpd="sng" algn="ctr">
+                      <a:solidFill>
+                        <a:schemeClr val="accent1"/>
+                      </a:solidFill>
+                      <a:prstDash val="solid"/>
+                      <a:round/>
+                      <a:headEnd type="none" w="med" len="med"/>
+                      <a:tailEnd type="none" w="med" len="med"/>
+                    </a:lnT>
+                    <a:lnB w="12700" cap="flat" cmpd="sng" algn="ctr">
+                      <a:solidFill>
+                        <a:schemeClr val="accent1"/>
+                      </a:solidFill>
+                      <a:prstDash val="solid"/>
+                      <a:round/>
+                      <a:headEnd type="none" w="med" len="med"/>
+                      <a:tailEnd type="none" w="med" len="med"/>
+                    </a:lnB>
+                  </a:tcPr>
+                </a:tc>
+                <a:extLst>
+                  <a:ext uri="{0D108BD9-81ED-4DB2-BD59-A6C34878D82A}">
+                    <a16:rowId xmlns:a16="http://schemas.microsoft.com/office/drawing/2014/main" val="10001"/>
+                  </a:ext>
+                </a:extLst>
+              </a:tr>
+              <a:tr h="1152128">
+                <a:tc>
+                  <a:txBody>
+                    <a:bodyPr/>
+                    <a:lstStyle/>
+                    <a:p>
+                      <a:pPr algn="ctr"/>
+                      <a:r>
+                        <a:rPr lang="zh-CN" altLang="en-US" sz="2000" b="1" dirty="0" smtClean="0">
+                          <a:solidFill>
+                            <a:schemeClr val="accent1"/>
+                          </a:solidFill>
+                          <a:latin typeface="微软雅黑" pitchFamily="34" charset="-122"/>
+                          <a:ea typeface="微软雅黑" pitchFamily="34" charset="-122"/>
+                        </a:rPr>
+                        <a:t>功能</a:t>
+                      </a:r>
+                      <a:endParaRPr lang="en-US" altLang="zh-CN" sz="2000" b="1" dirty="0" smtClean="0">
+                        <a:solidFill>
+                          <a:schemeClr val="accent1"/>
+                        </a:solidFill>
+                        <a:latin typeface="微软雅黑" pitchFamily="34" charset="-122"/>
+                        <a:ea typeface="微软雅黑" pitchFamily="34" charset="-122"/>
+                      </a:endParaRPr>
+                    </a:p>
+                  </a:txBody>
+                  <a:tcPr marL="91449" marR="91449" marT="45716" marB="45716" anchor="ctr">
+                    <a:lnL w="12700" cap="flat" cmpd="sng" algn="ctr">
+                      <a:solidFill>
+                        <a:schemeClr val="accent1"/>
+                      </a:solidFill>
+                      <a:prstDash val="solid"/>
+                      <a:round/>
+                      <a:headEnd type="none" w="med" len="med"/>
+                      <a:tailEnd type="none" w="med" len="med"/>
+                    </a:lnL>
+                    <a:lnR w="12700" cap="flat" cmpd="sng" algn="ctr">
+                      <a:solidFill>
+                        <a:schemeClr val="accent1"/>
+                      </a:solidFill>
+                      <a:prstDash val="solid"/>
+                      <a:round/>
+                      <a:headEnd type="none" w="med" len="med"/>
+                      <a:tailEnd type="none" w="med" len="med"/>
+                    </a:lnR>
+                    <a:lnT w="12700" cap="flat" cmpd="sng" algn="ctr">
+                      <a:solidFill>
+                        <a:schemeClr val="accent1"/>
+                      </a:solidFill>
+                      <a:prstDash val="solid"/>
+                      <a:round/>
+                      <a:headEnd type="none" w="med" len="med"/>
+                      <a:tailEnd type="none" w="med" len="med"/>
+                    </a:lnT>
+                    <a:lnB w="12700" cap="flat" cmpd="sng" algn="ctr">
+                      <a:solidFill>
+                        <a:schemeClr val="accent1"/>
+                      </a:solidFill>
+                      <a:prstDash val="solid"/>
+                      <a:round/>
+                      <a:headEnd type="none" w="med" len="med"/>
+                      <a:tailEnd type="none" w="med" len="med"/>
+                    </a:lnB>
+                    <a:noFill/>
+                  </a:tcPr>
+                </a:tc>
+                <a:tc>
+                  <a:txBody>
+                    <a:bodyPr/>
+                    <a:lstStyle/>
+                    <a:p>
+                      <a:pPr algn="ctr"/>
+                      <a:r>
+                        <a:rPr lang="zh-CN" altLang="zh-CN" sz="1800" b="1" kern="1200" dirty="0" smtClean="0">
+                          <a:solidFill>
+                            <a:schemeClr val="accent1"/>
+                          </a:solidFill>
+                          <a:latin typeface="微软雅黑" pitchFamily="34" charset="-122"/>
+                          <a:ea typeface="微软雅黑" pitchFamily="34" charset="-122"/>
+                          <a:cs typeface="+mn-cs"/>
+                        </a:rPr>
+                        <a:t>检测点、线和</a:t>
+                      </a:r>
+                      <a:r>
+                        <a:rPr lang="zh-CN" altLang="en-US" sz="1800" b="1" kern="1200" dirty="0" smtClean="0">
+                          <a:solidFill>
+                            <a:schemeClr val="accent1"/>
+                          </a:solidFill>
+                          <a:latin typeface="微软雅黑" pitchFamily="34" charset="-122"/>
+                          <a:ea typeface="微软雅黑" pitchFamily="34" charset="-122"/>
+                          <a:cs typeface="+mn-cs"/>
+                        </a:rPr>
+                        <a:t>部分</a:t>
+                      </a:r>
+                      <a:r>
+                        <a:rPr lang="en-US" altLang="zh-CN" sz="1800" b="1" kern="1200" dirty="0" smtClean="0">
+                          <a:solidFill>
+                            <a:schemeClr val="accent1"/>
+                          </a:solidFill>
+                          <a:latin typeface="微软雅黑" pitchFamily="34" charset="-122"/>
+                          <a:ea typeface="微软雅黑" pitchFamily="34" charset="-122"/>
+                          <a:cs typeface="+mn-cs"/>
+                        </a:rPr>
+                        <a:t>Mura</a:t>
+                      </a:r>
+                      <a:r>
+                        <a:rPr lang="zh-CN" altLang="zh-CN" sz="1800" b="1" kern="1200" dirty="0" smtClean="0">
+                          <a:solidFill>
+                            <a:schemeClr val="accent1"/>
+                          </a:solidFill>
+                          <a:latin typeface="微软雅黑" pitchFamily="34" charset="-122"/>
+                          <a:ea typeface="微软雅黑" pitchFamily="34" charset="-122"/>
+                          <a:cs typeface="+mn-cs"/>
+                        </a:rPr>
+                        <a:t>缺陷</a:t>
+                      </a:r>
+                      <a:endParaRPr lang="zh-CN" altLang="en-US" sz="1800" b="1" kern="1200" dirty="0">
+                        <a:solidFill>
+                          <a:schemeClr val="accent1"/>
+                        </a:solidFill>
+                        <a:latin typeface="微软雅黑" pitchFamily="34" charset="-122"/>
+                        <a:ea typeface="微软雅黑" pitchFamily="34" charset="-122"/>
+                        <a:cs typeface="+mn-cs"/>
+                      </a:endParaRPr>
+                    </a:p>
+                  </a:txBody>
+                  <a:tcPr marL="91449" marR="91449" marT="45716" marB="45716" anchor="ctr">
+                    <a:lnL w="12700" cap="flat" cmpd="sng" algn="ctr">
+                      <a:solidFill>
+                        <a:schemeClr val="accent1"/>
+                      </a:solidFill>
+                      <a:prstDash val="solid"/>
+                      <a:round/>
+                      <a:headEnd type="none" w="med" len="med"/>
+                      <a:tailEnd type="none" w="med" len="med"/>
+                    </a:lnL>
+                    <a:lnR w="12700" cap="flat" cmpd="sng" algn="ctr">
+                      <a:solidFill>
+                        <a:schemeClr val="accent1"/>
+                      </a:solidFill>
+                      <a:prstDash val="solid"/>
+                      <a:round/>
+                      <a:headEnd type="none" w="med" len="med"/>
+                      <a:tailEnd type="none" w="med" len="med"/>
+                    </a:lnR>
+                    <a:lnT w="12700" cap="flat" cmpd="sng" algn="ctr">
+                      <a:solidFill>
+                        <a:schemeClr val="accent1"/>
+                      </a:solidFill>
+                      <a:prstDash val="solid"/>
+                      <a:round/>
+                      <a:headEnd type="none" w="med" len="med"/>
+                      <a:tailEnd type="none" w="med" len="med"/>
+                    </a:lnT>
+                    <a:lnB w="12700" cap="flat" cmpd="sng" algn="ctr">
+                      <a:solidFill>
+                        <a:schemeClr val="accent1"/>
+                      </a:solidFill>
+                      <a:prstDash val="solid"/>
+                      <a:round/>
+                      <a:headEnd type="none" w="med" len="med"/>
+                      <a:tailEnd type="none" w="med" len="med"/>
+                    </a:lnB>
+                  </a:tcPr>
+                </a:tc>
+                <a:tc>
+                  <a:txBody>
+                    <a:bodyPr/>
+                    <a:lstStyle/>
+                    <a:p>
+                      <a:pPr marL="0" marR="0" indent="0" algn="ctr" defTabSz="914400" rtl="0" eaLnBrk="1" fontAlgn="auto" latinLnBrk="0" hangingPunct="1">
+                        <a:lnSpc>
+                          <a:spcPct val="100000"/>
+                        </a:lnSpc>
+                        <a:spcBef>
+                          <a:spcPts val="0"/>
+                        </a:spcBef>
+                        <a:spcAft>
+                          <a:spcPts val="0"/>
+                        </a:spcAft>
+                        <a:buClrTx/>
+                        <a:buSzTx/>
+                        <a:buFontTx/>
+                        <a:buNone/>
+                        <a:tabLst/>
+                        <a:defRPr/>
+                      </a:pPr>
+                      <a:r>
+                        <a:rPr lang="zh-CN" altLang="zh-CN" sz="1800" b="1" kern="1200" dirty="0" smtClean="0">
+                          <a:solidFill>
+                            <a:schemeClr val="accent1"/>
+                          </a:solidFill>
+                          <a:latin typeface="微软雅黑" pitchFamily="34" charset="-122"/>
+                          <a:ea typeface="微软雅黑" pitchFamily="34" charset="-122"/>
+                          <a:cs typeface="+mn-cs"/>
+                        </a:rPr>
+                        <a:t>检测点、线缺陷</a:t>
+                      </a:r>
+                      <a:endParaRPr lang="zh-CN" altLang="en-US" sz="1800" b="1" dirty="0">
+                        <a:solidFill>
+                          <a:schemeClr val="accent1"/>
+                        </a:solidFill>
+                        <a:latin typeface="微软雅黑" pitchFamily="34" charset="-122"/>
+                        <a:ea typeface="微软雅黑" pitchFamily="34" charset="-122"/>
+                      </a:endParaRPr>
+                    </a:p>
+                  </a:txBody>
+                  <a:tcPr marL="91449" marR="91449" marT="45716" marB="45716" anchor="ctr">
+                    <a:lnL w="12700" cap="flat" cmpd="sng" algn="ctr">
+                      <a:solidFill>
+                        <a:schemeClr val="accent1"/>
+                      </a:solidFill>
+                      <a:prstDash val="solid"/>
+                      <a:round/>
+                      <a:headEnd type="none" w="med" len="med"/>
+                      <a:tailEnd type="none" w="med" len="med"/>
+                    </a:lnL>
+                    <a:lnR w="12700" cap="flat" cmpd="sng" algn="ctr">
+                      <a:solidFill>
+                        <a:schemeClr val="accent1"/>
+                      </a:solidFill>
+                      <a:prstDash val="solid"/>
+                      <a:round/>
+                      <a:headEnd type="none" w="med" len="med"/>
+                      <a:tailEnd type="none" w="med" len="med"/>
+                    </a:lnR>
+                    <a:lnT w="12700" cap="flat" cmpd="sng" algn="ctr">
+                      <a:solidFill>
+                        <a:schemeClr val="accent1"/>
+                      </a:solidFill>
+                      <a:prstDash val="solid"/>
+                      <a:round/>
+                      <a:headEnd type="none" w="med" len="med"/>
+                      <a:tailEnd type="none" w="med" len="med"/>
+                    </a:lnT>
+                    <a:lnB w="12700" cap="flat" cmpd="sng" algn="ctr">
+                      <a:solidFill>
+                        <a:schemeClr val="accent1"/>
+                      </a:solidFill>
+                      <a:prstDash val="solid"/>
+                      <a:round/>
+                      <a:headEnd type="none" w="med" len="med"/>
+                      <a:tailEnd type="none" w="med" len="med"/>
+                    </a:lnB>
+                  </a:tcPr>
+                </a:tc>
+                <a:tc>
+                  <a:txBody>
+                    <a:bodyPr/>
+                    <a:lstStyle/>
+                    <a:p>
+                      <a:pPr algn="ctr"/>
+                      <a:r>
+                        <a:rPr lang="zh-CN" altLang="en-US" sz="1800" b="1" kern="1200" dirty="0" smtClean="0">
+                          <a:solidFill>
+                            <a:schemeClr val="accent1"/>
+                          </a:solidFill>
+                          <a:effectLst/>
+                          <a:latin typeface="微软雅黑" pitchFamily="34" charset="-122"/>
+                          <a:ea typeface="微软雅黑" pitchFamily="34" charset="-122"/>
+                          <a:cs typeface="+mn-cs"/>
+                        </a:rPr>
+                        <a:t>检测刻痕、划伤等外观不良及点、线缺陷</a:t>
+                      </a:r>
+                      <a:endParaRPr lang="zh-CN" altLang="en-US" sz="1800" b="1" kern="1200" dirty="0">
+                        <a:solidFill>
+                          <a:schemeClr val="accent1"/>
+                        </a:solidFill>
+                        <a:effectLst/>
+                        <a:latin typeface="微软雅黑" pitchFamily="34" charset="-122"/>
+                        <a:ea typeface="微软雅黑" pitchFamily="34" charset="-122"/>
+                        <a:cs typeface="+mn-cs"/>
+                      </a:endParaRPr>
+                    </a:p>
+                  </a:txBody>
+                  <a:tcPr marL="91449" marR="91449" marT="45716" marB="45716" anchor="ctr">
+                    <a:lnL w="12700" cap="flat" cmpd="sng" algn="ctr">
+                      <a:solidFill>
+                        <a:schemeClr val="accent1"/>
+                      </a:solidFill>
+                      <a:prstDash val="solid"/>
+                      <a:round/>
+                      <a:headEnd type="none" w="med" len="med"/>
+                      <a:tailEnd type="none" w="med" len="med"/>
+                    </a:lnL>
+                    <a:lnR w="12700" cap="flat" cmpd="sng" algn="ctr">
+                      <a:solidFill>
+                        <a:schemeClr val="accent1"/>
+                      </a:solidFill>
+                      <a:prstDash val="solid"/>
+                      <a:round/>
+                      <a:headEnd type="none" w="med" len="med"/>
+                      <a:tailEnd type="none" w="med" len="med"/>
+                    </a:lnR>
+                    <a:lnT w="12700" cap="flat" cmpd="sng" algn="ctr">
+                      <a:solidFill>
+                        <a:schemeClr val="accent1"/>
+                      </a:solidFill>
+                      <a:prstDash val="solid"/>
+                      <a:round/>
+                      <a:headEnd type="none" w="med" len="med"/>
+                      <a:tailEnd type="none" w="med" len="med"/>
+                    </a:lnT>
+                    <a:lnB w="12700" cap="flat" cmpd="sng" algn="ctr">
+                      <a:solidFill>
+                        <a:schemeClr val="accent1"/>
+                      </a:solidFill>
+                      <a:prstDash val="solid"/>
+                      <a:round/>
+                      <a:headEnd type="none" w="med" len="med"/>
+                      <a:tailEnd type="none" w="med" len="med"/>
+                    </a:lnB>
+                  </a:tcPr>
+                </a:tc>
+                <a:tc>
+                  <a:txBody>
+                    <a:bodyPr/>
+                    <a:lstStyle/>
+                    <a:p>
+                      <a:pPr marL="0" marR="0" indent="0" algn="ctr" defTabSz="914400" rtl="0" eaLnBrk="1" fontAlgn="auto" latinLnBrk="0" hangingPunct="1">
+                        <a:lnSpc>
+                          <a:spcPct val="100000"/>
+                        </a:lnSpc>
+                        <a:spcBef>
+                          <a:spcPts val="0"/>
+                        </a:spcBef>
+                        <a:spcAft>
+                          <a:spcPts val="0"/>
+                        </a:spcAft>
+                        <a:buClrTx/>
+                        <a:buSzTx/>
+                        <a:buFontTx/>
+                        <a:buNone/>
+                        <a:tabLst/>
+                        <a:defRPr/>
+                      </a:pPr>
+                      <a:r>
+                        <a:rPr lang="zh-CN" altLang="zh-CN" sz="1800" b="1" kern="1200" dirty="0" smtClean="0">
+                          <a:solidFill>
+                            <a:schemeClr val="accent1"/>
+                          </a:solidFill>
+                          <a:latin typeface="微软雅黑" pitchFamily="34" charset="-122"/>
+                          <a:ea typeface="微软雅黑" pitchFamily="34" charset="-122"/>
+                          <a:cs typeface="+mn-cs"/>
+                        </a:rPr>
+                        <a:t>检测点、线</a:t>
+                      </a:r>
+                      <a:r>
+                        <a:rPr lang="zh-CN" altLang="en-US" sz="1800" b="1" kern="1200" dirty="0" smtClean="0">
+                          <a:solidFill>
+                            <a:schemeClr val="accent1"/>
+                          </a:solidFill>
+                          <a:latin typeface="微软雅黑" pitchFamily="34" charset="-122"/>
+                          <a:ea typeface="微软雅黑" pitchFamily="34" charset="-122"/>
+                          <a:cs typeface="+mn-cs"/>
+                        </a:rPr>
+                        <a:t>及部分</a:t>
+                      </a:r>
+                      <a:r>
+                        <a:rPr lang="en-US" altLang="zh-CN" sz="1800" b="1" kern="1200" dirty="0" smtClean="0">
+                          <a:solidFill>
+                            <a:schemeClr val="accent1"/>
+                          </a:solidFill>
+                          <a:latin typeface="微软雅黑" pitchFamily="34" charset="-122"/>
+                          <a:ea typeface="微软雅黑" pitchFamily="34" charset="-122"/>
+                          <a:cs typeface="+mn-cs"/>
+                        </a:rPr>
+                        <a:t>Mura</a:t>
+                      </a:r>
+                      <a:r>
+                        <a:rPr lang="zh-CN" altLang="zh-CN" sz="1800" b="1" kern="1200" dirty="0" smtClean="0">
+                          <a:solidFill>
+                            <a:schemeClr val="accent1"/>
+                          </a:solidFill>
+                          <a:latin typeface="微软雅黑" pitchFamily="34" charset="-122"/>
+                          <a:ea typeface="微软雅黑" pitchFamily="34" charset="-122"/>
+                          <a:cs typeface="+mn-cs"/>
+                        </a:rPr>
+                        <a:t>缺陷</a:t>
+                      </a:r>
+                      <a:endParaRPr lang="zh-CN" altLang="en-US" sz="1800" b="1" dirty="0" smtClean="0">
+                        <a:solidFill>
+                          <a:schemeClr val="accent1"/>
+                        </a:solidFill>
+                        <a:latin typeface="微软雅黑" pitchFamily="34" charset="-122"/>
+                        <a:ea typeface="微软雅黑" pitchFamily="34" charset="-122"/>
+                      </a:endParaRPr>
+                    </a:p>
+                  </a:txBody>
+                  <a:tcPr marL="91449" marR="91449" marT="45716" marB="45716" anchor="ctr">
+                    <a:lnL w="12700" cap="flat" cmpd="sng" algn="ctr">
+                      <a:solidFill>
+                        <a:schemeClr val="accent1"/>
+                      </a:solidFill>
+                      <a:prstDash val="solid"/>
+                      <a:round/>
+                      <a:headEnd type="none" w="med" len="med"/>
+                      <a:tailEnd type="none" w="med" len="med"/>
+                    </a:lnL>
+                    <a:lnR w="12700" cap="flat" cmpd="sng" algn="ctr">
+                      <a:solidFill>
+                        <a:schemeClr val="accent1"/>
+                      </a:solidFill>
+                      <a:prstDash val="solid"/>
+                      <a:round/>
+                      <a:headEnd type="none" w="med" len="med"/>
+                      <a:tailEnd type="none" w="med" len="med"/>
+                    </a:lnR>
+                    <a:lnT w="12700" cap="flat" cmpd="sng" algn="ctr">
+                      <a:solidFill>
+                        <a:schemeClr val="accent1"/>
+                      </a:solidFill>
+                      <a:prstDash val="solid"/>
+                      <a:round/>
+                      <a:headEnd type="none" w="med" len="med"/>
+                      <a:tailEnd type="none" w="med" len="med"/>
+                    </a:lnT>
+                    <a:lnB w="12700" cap="flat" cmpd="sng" algn="ctr">
+                      <a:solidFill>
+                        <a:schemeClr val="accent1"/>
+                      </a:solidFill>
+                      <a:prstDash val="solid"/>
+                      <a:round/>
+                      <a:headEnd type="none" w="med" len="med"/>
+                      <a:tailEnd type="none" w="med" len="med"/>
+                    </a:lnB>
+                  </a:tcPr>
+                </a:tc>
+                <a:tc>
+                  <a:txBody>
+                    <a:bodyPr/>
+                    <a:lstStyle/>
+                    <a:p>
+                      <a:pPr marL="0" marR="0" indent="0" algn="ctr" defTabSz="914400" rtl="0" eaLnBrk="1" fontAlgn="auto" latinLnBrk="0" hangingPunct="1">
+                        <a:lnSpc>
+                          <a:spcPct val="100000"/>
+                        </a:lnSpc>
+                        <a:spcBef>
+                          <a:spcPts val="0"/>
+                        </a:spcBef>
+                        <a:spcAft>
+                          <a:spcPts val="0"/>
+                        </a:spcAft>
+                        <a:buClrTx/>
+                        <a:buSzTx/>
+                        <a:buFontTx/>
+                        <a:buNone/>
+                        <a:tabLst/>
+                        <a:defRPr/>
+                      </a:pPr>
+                      <a:r>
+                        <a:rPr lang="zh-CN" altLang="zh-CN" sz="1800" b="1" kern="1200" dirty="0" smtClean="0">
+                          <a:solidFill>
+                            <a:schemeClr val="accent1"/>
+                          </a:solidFill>
+                          <a:latin typeface="微软雅黑" pitchFamily="34" charset="-122"/>
+                          <a:ea typeface="微软雅黑" pitchFamily="34" charset="-122"/>
+                          <a:cs typeface="+mn-cs"/>
+                        </a:rPr>
+                        <a:t>检测点、线</a:t>
+                      </a:r>
+                      <a:r>
+                        <a:rPr lang="zh-CN" altLang="en-US" sz="1800" b="1" kern="1200" dirty="0" smtClean="0">
+                          <a:solidFill>
+                            <a:schemeClr val="accent1"/>
+                          </a:solidFill>
+                          <a:latin typeface="微软雅黑" pitchFamily="34" charset="-122"/>
+                          <a:ea typeface="微软雅黑" pitchFamily="34" charset="-122"/>
+                          <a:cs typeface="+mn-cs"/>
+                        </a:rPr>
+                        <a:t>及部分</a:t>
+                      </a:r>
+                      <a:r>
+                        <a:rPr lang="en-US" altLang="zh-CN" sz="1800" b="1" kern="1200" dirty="0" smtClean="0">
+                          <a:solidFill>
+                            <a:schemeClr val="accent1"/>
+                          </a:solidFill>
+                          <a:latin typeface="微软雅黑" pitchFamily="34" charset="-122"/>
+                          <a:ea typeface="微软雅黑" pitchFamily="34" charset="-122"/>
+                          <a:cs typeface="+mn-cs"/>
+                        </a:rPr>
+                        <a:t>Mura</a:t>
+                      </a:r>
+                      <a:r>
+                        <a:rPr lang="zh-CN" altLang="zh-CN" sz="1800" b="1" kern="1200" dirty="0" smtClean="0">
+                          <a:solidFill>
+                            <a:schemeClr val="accent1"/>
+                          </a:solidFill>
+                          <a:latin typeface="微软雅黑" pitchFamily="34" charset="-122"/>
+                          <a:ea typeface="微软雅黑" pitchFamily="34" charset="-122"/>
+                          <a:cs typeface="+mn-cs"/>
+                        </a:rPr>
+                        <a:t>缺陷</a:t>
+                      </a:r>
+                      <a:endParaRPr lang="zh-CN" altLang="en-US" sz="1800" b="1" dirty="0" smtClean="0">
+                        <a:solidFill>
+                          <a:schemeClr val="accent1"/>
+                        </a:solidFill>
+                        <a:latin typeface="微软雅黑" pitchFamily="34" charset="-122"/>
+                        <a:ea typeface="微软雅黑" pitchFamily="34" charset="-122"/>
+                      </a:endParaRPr>
+                    </a:p>
+                  </a:txBody>
+                  <a:tcPr marL="91449" marR="91449" marT="45716" marB="45716" anchor="ctr">
+                    <a:lnL w="12700" cap="flat" cmpd="sng" algn="ctr">
+                      <a:solidFill>
+                        <a:schemeClr val="accent1"/>
+                      </a:solidFill>
+                      <a:prstDash val="solid"/>
+                      <a:round/>
+                      <a:headEnd type="none" w="med" len="med"/>
+                      <a:tailEnd type="none" w="med" len="med"/>
+                    </a:lnL>
+                    <a:lnR w="12700" cap="flat" cmpd="sng" algn="ctr">
+                      <a:solidFill>
+                        <a:schemeClr val="accent1"/>
+                      </a:solidFill>
+                      <a:prstDash val="solid"/>
+                      <a:round/>
+                      <a:headEnd type="none" w="med" len="med"/>
+                      <a:tailEnd type="none" w="med" len="med"/>
+                    </a:lnR>
+                    <a:lnT w="12700" cap="flat" cmpd="sng" algn="ctr">
+                      <a:solidFill>
+                        <a:schemeClr val="accent1"/>
+                      </a:solidFill>
+                      <a:prstDash val="solid"/>
+                      <a:round/>
+                      <a:headEnd type="none" w="med" len="med"/>
+                      <a:tailEnd type="none" w="med" len="med"/>
+                    </a:lnT>
+                    <a:lnB w="12700" cap="flat" cmpd="sng" algn="ctr">
+                      <a:solidFill>
+                        <a:schemeClr val="accent1"/>
+                      </a:solidFill>
+                      <a:prstDash val="solid"/>
+                      <a:round/>
+                      <a:headEnd type="none" w="med" len="med"/>
+                      <a:tailEnd type="none" w="med" len="med"/>
+                    </a:lnB>
+                  </a:tcPr>
+                </a:tc>
+                <a:tc>
+                  <a:txBody>
+                    <a:bodyPr/>
+                    <a:lstStyle/>
+                    <a:p>
+                      <a:pPr algn="ctr"/>
+                      <a:r>
+                        <a:rPr lang="zh-CN" altLang="en-US" sz="1800" b="1" kern="1200" dirty="0" smtClean="0">
+                          <a:solidFill>
+                            <a:schemeClr val="accent1"/>
+                          </a:solidFill>
+                          <a:effectLst/>
+                          <a:latin typeface="微软雅黑" pitchFamily="34" charset="-122"/>
+                          <a:ea typeface="微软雅黑" pitchFamily="34" charset="-122"/>
+                          <a:cs typeface="+mn-cs"/>
+                        </a:rPr>
+                        <a:t>检测点、线及部分</a:t>
+                      </a:r>
+                      <a:r>
+                        <a:rPr lang="en-US" altLang="zh-CN" sz="1800" b="1" kern="1200" dirty="0" smtClean="0">
+                          <a:solidFill>
+                            <a:schemeClr val="accent1"/>
+                          </a:solidFill>
+                          <a:effectLst/>
+                          <a:latin typeface="微软雅黑" pitchFamily="34" charset="-122"/>
+                          <a:ea typeface="微软雅黑" pitchFamily="34" charset="-122"/>
+                          <a:cs typeface="+mn-cs"/>
+                        </a:rPr>
+                        <a:t>Mura</a:t>
+                      </a:r>
+                      <a:r>
+                        <a:rPr lang="zh-CN" altLang="en-US" sz="1800" b="1" kern="1200" dirty="0" smtClean="0">
+                          <a:solidFill>
+                            <a:schemeClr val="accent1"/>
+                          </a:solidFill>
+                          <a:effectLst/>
+                          <a:latin typeface="微软雅黑" pitchFamily="34" charset="-122"/>
+                          <a:ea typeface="微软雅黑" pitchFamily="34" charset="-122"/>
+                          <a:cs typeface="+mn-cs"/>
+                        </a:rPr>
+                        <a:t>缺陷</a:t>
+                      </a:r>
+                      <a:endParaRPr lang="zh-CN" altLang="en-US" sz="1800" b="1" kern="1200" dirty="0">
+                        <a:solidFill>
+                          <a:schemeClr val="accent1"/>
+                        </a:solidFill>
+                        <a:effectLst/>
+                        <a:latin typeface="微软雅黑" pitchFamily="34" charset="-122"/>
+                        <a:ea typeface="微软雅黑" pitchFamily="34" charset="-122"/>
+                        <a:cs typeface="+mn-cs"/>
+                      </a:endParaRPr>
+                    </a:p>
+                  </a:txBody>
+                  <a:tcPr marL="91449" marR="91449" marT="45716" marB="45716" anchor="ctr">
+                    <a:lnL w="12700" cap="flat" cmpd="sng" algn="ctr">
+                      <a:solidFill>
+                        <a:schemeClr val="accent1"/>
+                      </a:solidFill>
+                      <a:prstDash val="solid"/>
+                      <a:round/>
+                      <a:headEnd type="none" w="med" len="med"/>
+                      <a:tailEnd type="none" w="med" len="med"/>
+                    </a:lnL>
+                    <a:lnR w="12700" cap="flat" cmpd="sng" algn="ctr">
+                      <a:solidFill>
+                        <a:schemeClr val="accent1"/>
+                      </a:solidFill>
+                      <a:prstDash val="solid"/>
+                      <a:round/>
+                      <a:headEnd type="none" w="med" len="med"/>
+                      <a:tailEnd type="none" w="med" len="med"/>
+                    </a:lnR>
+                    <a:lnT w="12700" cap="flat" cmpd="sng" algn="ctr">
+                      <a:solidFill>
+                        <a:schemeClr val="accent1"/>
+                      </a:solidFill>
+                      <a:prstDash val="solid"/>
+                      <a:round/>
+                      <a:headEnd type="none" w="med" len="med"/>
+                      <a:tailEnd type="none" w="med" len="med"/>
+                    </a:lnT>
+                    <a:lnB w="12700" cap="flat" cmpd="sng" algn="ctr">
+                      <a:solidFill>
+                        <a:schemeClr val="accent1"/>
+                      </a:solidFill>
+                      <a:prstDash val="solid"/>
+                      <a:round/>
+                      <a:headEnd type="none" w="med" len="med"/>
+                      <a:tailEnd type="none" w="med" len="med"/>
+                    </a:lnB>
+                  </a:tcPr>
+                </a:tc>
+                <a:extLst>
+                  <a:ext uri="{0D108BD9-81ED-4DB2-BD59-A6C34878D82A}">
+                    <a16:rowId xmlns:a16="http://schemas.microsoft.com/office/drawing/2014/main" val="10002"/>
+                  </a:ext>
+                </a:extLst>
+              </a:tr>
+              <a:tr h="980278">
+                <a:tc>
+                  <a:txBody>
+                    <a:bodyPr/>
+                    <a:lstStyle/>
+                    <a:p>
+                      <a:pPr algn="ctr"/>
+                      <a:r>
+                        <a:rPr lang="zh-CN" altLang="en-US" sz="2000" b="1" dirty="0" smtClean="0">
+                          <a:solidFill>
+                            <a:schemeClr val="accent1"/>
+                          </a:solidFill>
+                          <a:latin typeface="微软雅黑" pitchFamily="34" charset="-122"/>
+                          <a:ea typeface="微软雅黑" pitchFamily="34" charset="-122"/>
+                        </a:rPr>
+                        <a:t>缺</a:t>
+                      </a:r>
+                      <a:endParaRPr lang="en-US" altLang="zh-CN" sz="2000" b="1" dirty="0" smtClean="0">
+                        <a:solidFill>
+                          <a:schemeClr val="accent1"/>
+                        </a:solidFill>
+                        <a:latin typeface="微软雅黑" pitchFamily="34" charset="-122"/>
+                        <a:ea typeface="微软雅黑" pitchFamily="34" charset="-122"/>
+                      </a:endParaRPr>
+                    </a:p>
+                    <a:p>
+                      <a:pPr algn="ctr"/>
+                      <a:r>
+                        <a:rPr lang="zh-CN" altLang="en-US" sz="2000" b="1" dirty="0" smtClean="0">
+                          <a:solidFill>
+                            <a:schemeClr val="accent1"/>
+                          </a:solidFill>
+                          <a:latin typeface="微软雅黑" pitchFamily="34" charset="-122"/>
+                          <a:ea typeface="微软雅黑" pitchFamily="34" charset="-122"/>
+                        </a:rPr>
+                        <a:t>点</a:t>
+                      </a:r>
+                      <a:endParaRPr lang="zh-CN" altLang="en-US" sz="2000" b="1" dirty="0">
+                        <a:solidFill>
+                          <a:schemeClr val="accent1"/>
+                        </a:solidFill>
+                        <a:latin typeface="微软雅黑" pitchFamily="34" charset="-122"/>
+                        <a:ea typeface="微软雅黑" pitchFamily="34" charset="-122"/>
+                      </a:endParaRPr>
+                    </a:p>
+                  </a:txBody>
+                  <a:tcPr marL="91449" marR="91449" marT="45716" marB="45716" anchor="ctr">
+                    <a:lnL w="12700" cap="flat" cmpd="sng" algn="ctr">
+                      <a:solidFill>
+                        <a:schemeClr val="accent1"/>
+                      </a:solidFill>
+                      <a:prstDash val="solid"/>
+                      <a:round/>
+                      <a:headEnd type="none" w="med" len="med"/>
+                      <a:tailEnd type="none" w="med" len="med"/>
+                    </a:lnL>
+                    <a:lnR w="12700" cap="flat" cmpd="sng" algn="ctr">
+                      <a:solidFill>
+                        <a:schemeClr val="accent1"/>
+                      </a:solidFill>
+                      <a:prstDash val="solid"/>
+                      <a:round/>
+                      <a:headEnd type="none" w="med" len="med"/>
+                      <a:tailEnd type="none" w="med" len="med"/>
+                    </a:lnR>
+                    <a:lnT w="12700" cap="flat" cmpd="sng" algn="ctr">
+                      <a:solidFill>
+                        <a:schemeClr val="accent1"/>
+                      </a:solidFill>
+                      <a:prstDash val="solid"/>
+                      <a:round/>
+                      <a:headEnd type="none" w="med" len="med"/>
+                      <a:tailEnd type="none" w="med" len="med"/>
+                    </a:lnT>
+                    <a:lnB w="12700" cap="flat" cmpd="sng" algn="ctr">
+                      <a:solidFill>
+                        <a:schemeClr val="accent1"/>
+                      </a:solidFill>
+                      <a:prstDash val="solid"/>
+                      <a:round/>
+                      <a:headEnd type="none" w="med" len="med"/>
+                      <a:tailEnd type="none" w="med" len="med"/>
+                    </a:lnB>
+                    <a:noFill/>
+                  </a:tcPr>
+                </a:tc>
+                <a:tc gridSpan="6">
+                  <a:txBody>
+                    <a:bodyPr/>
+                    <a:lstStyle/>
+                    <a:p>
+                      <a:pPr marL="0" marR="0" indent="0" algn="ctr" defTabSz="914400" rtl="0" eaLnBrk="1" fontAlgn="auto" latinLnBrk="0" hangingPunct="1">
+                        <a:lnSpc>
+                          <a:spcPct val="100000"/>
+                        </a:lnSpc>
+                        <a:spcBef>
+                          <a:spcPts val="0"/>
+                        </a:spcBef>
+                        <a:spcAft>
+                          <a:spcPts val="0"/>
+                        </a:spcAft>
+                        <a:buClrTx/>
+                        <a:buSzTx/>
+                        <a:buFontTx/>
+                        <a:buNone/>
+                        <a:tabLst/>
+                        <a:defRPr/>
+                      </a:pPr>
+                      <a:r>
+                        <a:rPr lang="zh-CN" altLang="en-US" sz="2000" b="1" kern="1200" dirty="0" smtClean="0">
+                          <a:solidFill>
+                            <a:srgbClr val="FF0000"/>
+                          </a:solidFill>
+                          <a:latin typeface="微软雅黑" pitchFamily="34" charset="-122"/>
+                          <a:ea typeface="微软雅黑" pitchFamily="34" charset="-122"/>
+                        </a:rPr>
+                        <a:t>仅能检测部分</a:t>
+                      </a:r>
+                      <a:r>
+                        <a:rPr lang="en-US" altLang="zh-CN" sz="2000" b="1" kern="1200" dirty="0" smtClean="0">
+                          <a:solidFill>
+                            <a:srgbClr val="FF0000"/>
+                          </a:solidFill>
+                          <a:latin typeface="微软雅黑" pitchFamily="34" charset="-122"/>
+                          <a:ea typeface="微软雅黑" pitchFamily="34" charset="-122"/>
+                        </a:rPr>
+                        <a:t>Mura</a:t>
+                      </a:r>
+                      <a:r>
+                        <a:rPr lang="zh-CN" altLang="en-US" sz="2000" b="1" kern="1200" dirty="0" smtClean="0">
+                          <a:solidFill>
+                            <a:srgbClr val="FF0000"/>
+                          </a:solidFill>
+                          <a:latin typeface="微软雅黑" pitchFamily="34" charset="-122"/>
+                          <a:ea typeface="微软雅黑" pitchFamily="34" charset="-122"/>
+                        </a:rPr>
+                        <a:t>缺陷，且</a:t>
+                      </a:r>
+                      <a:r>
+                        <a:rPr lang="en-US" altLang="zh-CN" sz="2000" b="1" kern="1200" dirty="0" smtClean="0">
+                          <a:solidFill>
+                            <a:srgbClr val="FF0000"/>
+                          </a:solidFill>
+                          <a:latin typeface="微软雅黑" pitchFamily="34" charset="-122"/>
+                          <a:ea typeface="微软雅黑" pitchFamily="34" charset="-122"/>
+                        </a:rPr>
+                        <a:t>Mura</a:t>
+                      </a:r>
+                      <a:r>
+                        <a:rPr lang="zh-CN" altLang="en-US" sz="2000" b="1" kern="1200" dirty="0" smtClean="0">
+                          <a:solidFill>
+                            <a:srgbClr val="FF0000"/>
+                          </a:solidFill>
+                          <a:latin typeface="微软雅黑" pitchFamily="34" charset="-122"/>
+                          <a:ea typeface="微软雅黑" pitchFamily="34" charset="-122"/>
+                        </a:rPr>
+                        <a:t>缺陷检出率较低</a:t>
+                      </a:r>
+                      <a:endParaRPr lang="en-US" altLang="zh-CN" sz="2000" b="1" kern="1200" dirty="0" smtClean="0">
+                        <a:solidFill>
+                          <a:srgbClr val="FF0000"/>
+                        </a:solidFill>
+                        <a:latin typeface="微软雅黑" pitchFamily="34" charset="-122"/>
+                        <a:ea typeface="微软雅黑" pitchFamily="34" charset="-122"/>
+                      </a:endParaRPr>
+                    </a:p>
+                  </a:txBody>
+                  <a:tcPr marL="91449" marR="91449" marT="45716" marB="45716" anchor="ctr">
+                    <a:lnL w="12700" cap="flat" cmpd="sng" algn="ctr">
+                      <a:solidFill>
+                        <a:schemeClr val="accent1"/>
+                      </a:solidFill>
+                      <a:prstDash val="solid"/>
+                      <a:round/>
+                      <a:headEnd type="none" w="med" len="med"/>
+                      <a:tailEnd type="none" w="med" len="med"/>
+                    </a:lnL>
+                    <a:lnR w="12700" cap="flat" cmpd="sng" algn="ctr">
+                      <a:solidFill>
+                        <a:schemeClr val="accent1"/>
+                      </a:solidFill>
+                      <a:prstDash val="solid"/>
+                      <a:round/>
+                      <a:headEnd type="none" w="med" len="med"/>
+                      <a:tailEnd type="none" w="med" len="med"/>
+                    </a:lnR>
+                    <a:lnT w="12700" cap="flat" cmpd="sng" algn="ctr">
+                      <a:solidFill>
+                        <a:schemeClr val="accent1"/>
+                      </a:solidFill>
+                      <a:prstDash val="solid"/>
+                      <a:round/>
+                      <a:headEnd type="none" w="med" len="med"/>
+                      <a:tailEnd type="none" w="med" len="med"/>
+                    </a:lnT>
+                    <a:lnB w="12700" cap="flat" cmpd="sng" algn="ctr">
+                      <a:solidFill>
+                        <a:schemeClr val="accent1"/>
+                      </a:solidFill>
+                      <a:prstDash val="solid"/>
+                      <a:round/>
+                      <a:headEnd type="none" w="med" len="med"/>
+                      <a:tailEnd type="none" w="med" len="med"/>
+                    </a:lnB>
+                  </a:tcPr>
+                </a:tc>
+                <a:tc hMerge="1">
+                  <a:txBody>
+                    <a:bodyPr/>
+                    <a:lstStyle/>
+                    <a:p>
+                      <a:endParaRPr lang="zh-CN" altLang="en-US" sz="1600" b="1" dirty="0">
+                        <a:solidFill>
+                          <a:schemeClr val="accent1"/>
+                        </a:solidFill>
+                        <a:latin typeface="微软雅黑" pitchFamily="34" charset="-122"/>
+                        <a:ea typeface="微软雅黑" pitchFamily="34" charset="-122"/>
+                      </a:endParaRPr>
+                    </a:p>
+                  </a:txBody>
+                  <a:tcPr marL="91449" marR="91449" marT="45716" marB="45716" anchor="ctr">
+                    <a:lnL w="12700" cap="flat" cmpd="sng" algn="ctr">
+                      <a:solidFill>
+                        <a:schemeClr val="tx1"/>
+                      </a:solidFill>
+                      <a:prstDash val="solid"/>
+                      <a:round/>
+                      <a:headEnd type="none" w="med" len="med"/>
+                      <a:tailEnd type="none" w="med" len="med"/>
+                    </a:lnL>
+                    <a:lnR w="12700" cap="flat" cmpd="sng" algn="ctr">
+                      <a:solidFill>
+                        <a:schemeClr val="tx1"/>
+                      </a:solidFill>
+                      <a:prstDash val="solid"/>
+                      <a:round/>
+                      <a:headEnd type="none" w="med" len="med"/>
+                      <a:tailEnd type="none" w="med" len="med"/>
+                    </a:lnR>
+                    <a:lnT w="12700" cap="flat" cmpd="sng" algn="ctr">
+                      <a:solidFill>
+                        <a:schemeClr val="tx1"/>
+                      </a:solidFill>
+                      <a:prstDash val="solid"/>
+                      <a:round/>
+                      <a:headEnd type="none" w="med" len="med"/>
+                      <a:tailEnd type="none" w="med" len="med"/>
+                    </a:lnT>
+                    <a:lnB w="12700" cap="flat" cmpd="sng" algn="ctr">
+                      <a:solidFill>
+                        <a:schemeClr val="tx1"/>
+                      </a:solidFill>
+                      <a:prstDash val="solid"/>
+                      <a:round/>
+                      <a:headEnd type="none" w="med" len="med"/>
+                      <a:tailEnd type="none" w="med" len="med"/>
+                    </a:lnB>
+                  </a:tcPr>
+                </a:tc>
+                <a:tc hMerge="1">
+                  <a:txBody>
+                    <a:bodyPr/>
+                    <a:lstStyle/>
+                    <a:p>
+                      <a:pPr marL="0" algn="l" defTabSz="914400" rtl="0" eaLnBrk="1" latinLnBrk="0" hangingPunct="1"/>
+                      <a:endParaRPr lang="zh-CN" altLang="en-US" sz="1600" b="1" kern="1200" dirty="0">
+                        <a:solidFill>
+                          <a:schemeClr val="accent1"/>
+                        </a:solidFill>
+                        <a:effectLst/>
+                        <a:latin typeface="微软雅黑" pitchFamily="34" charset="-122"/>
+                        <a:ea typeface="微软雅黑" pitchFamily="34" charset="-122"/>
+                        <a:cs typeface="+mn-cs"/>
+                      </a:endParaRPr>
+                    </a:p>
+                  </a:txBody>
+                  <a:tcPr marL="91449" marR="91449" marT="45716" marB="45716" anchor="ctr">
+                    <a:lnL w="12700" cap="flat" cmpd="sng" algn="ctr">
+                      <a:solidFill>
+                        <a:schemeClr val="tx1"/>
+                      </a:solidFill>
+                      <a:prstDash val="solid"/>
+                      <a:round/>
+                      <a:headEnd type="none" w="med" len="med"/>
+                      <a:tailEnd type="none" w="med" len="med"/>
+                    </a:lnL>
+                    <a:lnR w="12700" cap="flat" cmpd="sng" algn="ctr">
+                      <a:solidFill>
+                        <a:schemeClr val="tx1"/>
+                      </a:solidFill>
+                      <a:prstDash val="solid"/>
+                      <a:round/>
+                      <a:headEnd type="none" w="med" len="med"/>
+                      <a:tailEnd type="none" w="med" len="med"/>
+                    </a:lnR>
+                    <a:lnT w="12700" cap="flat" cmpd="sng" algn="ctr">
+                      <a:solidFill>
+                        <a:schemeClr val="tx1"/>
+                      </a:solidFill>
+                      <a:prstDash val="solid"/>
+                      <a:round/>
+                      <a:headEnd type="none" w="med" len="med"/>
+                      <a:tailEnd type="none" w="med" len="med"/>
+                    </a:lnT>
+                    <a:lnB w="12700" cap="flat" cmpd="sng" algn="ctr">
+                      <a:solidFill>
+                        <a:schemeClr val="tx1"/>
+                      </a:solidFill>
+                      <a:prstDash val="solid"/>
+                      <a:round/>
+                      <a:headEnd type="none" w="med" len="med"/>
+                      <a:tailEnd type="none" w="med" len="med"/>
+                    </a:lnB>
+                  </a:tcPr>
+                </a:tc>
+                <a:tc hMerge="1">
+                  <a:txBody>
+                    <a:bodyPr/>
+                    <a:lstStyle/>
+                    <a:p>
+                      <a:endParaRPr lang="zh-CN" altLang="en-US"/>
+                    </a:p>
+                  </a:txBody>
+                  <a:tcPr/>
+                </a:tc>
+                <a:tc hMerge="1">
+                  <a:txBody>
+                    <a:bodyPr/>
+                    <a:lstStyle/>
+                    <a:p>
+                      <a:endParaRPr lang="zh-CN" altLang="en-US"/>
+                    </a:p>
+                  </a:txBody>
+                  <a:tcPr/>
+                </a:tc>
+                <a:tc hMerge="1">
+                  <a:txBody>
+                    <a:bodyPr/>
+                    <a:lstStyle/>
+                    <a:p>
+                      <a:pPr marL="0" algn="l" defTabSz="914400" rtl="0" eaLnBrk="1" latinLnBrk="0" hangingPunct="1"/>
+                      <a:endParaRPr lang="en-US" altLang="zh-CN" sz="1600" b="1" kern="1200" dirty="0" smtClean="0">
+                        <a:solidFill>
+                          <a:schemeClr val="accent1"/>
+                        </a:solidFill>
+                        <a:effectLst/>
+                        <a:latin typeface="微软雅黑" pitchFamily="34" charset="-122"/>
+                        <a:ea typeface="微软雅黑" pitchFamily="34" charset="-122"/>
+                        <a:cs typeface="+mn-cs"/>
+                      </a:endParaRPr>
+                    </a:p>
+                  </a:txBody>
+                  <a:tcPr marL="91449" marR="91449" marT="45716" marB="45716" anchor="ctr">
+                    <a:lnL w="12700" cap="flat" cmpd="sng" algn="ctr">
+                      <a:solidFill>
+                        <a:schemeClr val="tx1"/>
+                      </a:solidFill>
+                      <a:prstDash val="solid"/>
+                      <a:round/>
+                      <a:headEnd type="none" w="med" len="med"/>
+                      <a:tailEnd type="none" w="med" len="med"/>
+                    </a:lnL>
+                    <a:lnR w="12700" cap="flat" cmpd="sng" algn="ctr">
+                      <a:solidFill>
+                        <a:schemeClr val="tx1"/>
+                      </a:solidFill>
+                      <a:prstDash val="solid"/>
+                      <a:round/>
+                      <a:headEnd type="none" w="med" len="med"/>
+                      <a:tailEnd type="none" w="med" len="med"/>
+                    </a:lnR>
+                    <a:lnT w="12700" cap="flat" cmpd="sng" algn="ctr">
+                      <a:solidFill>
+                        <a:schemeClr val="tx1"/>
+                      </a:solidFill>
+                      <a:prstDash val="solid"/>
+                      <a:round/>
+                      <a:headEnd type="none" w="med" len="med"/>
+                      <a:tailEnd type="none" w="med" len="med"/>
+                    </a:lnT>
+                    <a:lnB w="12700" cap="flat" cmpd="sng" algn="ctr">
+                      <a:solidFill>
+                        <a:schemeClr val="tx1"/>
+                      </a:solidFill>
+                      <a:prstDash val="solid"/>
+                      <a:round/>
+                      <a:headEnd type="none" w="med" len="med"/>
+                      <a:tailEnd type="none" w="med" len="med"/>
+                    </a:lnB>
+                  </a:tcPr>
+                </a:tc>
+                <a:extLst>
+                  <a:ext uri="{0D108BD9-81ED-4DB2-BD59-A6C34878D82A}">
+                    <a16:rowId xmlns:a16="http://schemas.microsoft.com/office/drawing/2014/main" val="10003"/>
+                  </a:ext>
+                </a:extLst>
+              </a:tr>
+            </a:tbl>
+          </a:graphicData>
+        </a:graphic>
+      </p:graphicFrame>
     </p:spTree>
     <p:extLst>
       <p:ext uri="{BB962C8B-B14F-4D97-AF65-F5344CB8AC3E}">
@@ -10606,7 +13536,7 @@
                 <a:latin typeface="微软雅黑" panose="020B0503020204020204" pitchFamily="34" charset="-122"/>
                 <a:ea typeface="微软雅黑" panose="020B0503020204020204" pitchFamily="34" charset="-122"/>
               </a:rPr>
-              <a:t>研究目标</a:t>
+              <a:t>研究现状</a:t>
             </a:r>
           </a:p>
         </p:txBody>
@@ -10636,10 +13566,79 @@
           </a:prstGeom>
         </p:spPr>
       </p:pic>
+      <p:sp>
+        <p:nvSpPr>
+          <p:cNvPr id="4" name="矩形 3">
+            <a:extLst>
+              <a:ext uri="{FF2B5EF4-FFF2-40B4-BE49-F238E27FC236}">
+                <a16:creationId xmlns:a16="http://schemas.microsoft.com/office/drawing/2014/main" id="{F09D2081-B670-4829-9DFA-FCDCFA33C808}"/>
+              </a:ext>
+            </a:extLst>
+          </p:cNvPr>
+          <p:cNvSpPr/>
+          <p:nvPr/>
+        </p:nvSpPr>
+        <p:spPr>
+          <a:xfrm>
+            <a:off x="310788" y="1055058"/>
+            <a:ext cx="11562158" cy="499624"/>
+          </a:xfrm>
+          <a:prstGeom prst="rect">
+            <a:avLst/>
+          </a:prstGeom>
+          <a:solidFill>
+            <a:schemeClr val="tx2">
+              <a:lumMod val="90000"/>
+            </a:schemeClr>
+          </a:solidFill>
+        </p:spPr>
+        <p:txBody>
+          <a:bodyPr wrap="square">
+            <a:spAutoFit/>
+          </a:bodyPr>
+          <a:lstStyle/>
+          <a:p>
+            <a:pPr marL="285750" indent="-285750" algn="just">
+              <a:lnSpc>
+                <a:spcPct val="150000"/>
+              </a:lnSpc>
+              <a:buFont typeface="Wingdings" panose="05000000000000000000" pitchFamily="2" charset="2"/>
+              <a:buChar char="l"/>
+            </a:pPr>
+            <a:r>
+              <a:rPr lang="zh-CN" altLang="en-US" sz="2000" dirty="0" smtClean="0">
+                <a:solidFill>
+                  <a:schemeClr val="accent1"/>
+                </a:solidFill>
+                <a:latin typeface="微软雅黑" pitchFamily="34" charset="-122"/>
+                <a:ea typeface="微软雅黑" pitchFamily="34" charset="-122"/>
+              </a:rPr>
+              <a:t>针对复杂背景下的条码检测依然</a:t>
+            </a:r>
+            <a:r>
+              <a:rPr lang="zh-CN" altLang="en-US" sz="2000" b="1" dirty="0" smtClean="0">
+                <a:solidFill>
+                  <a:schemeClr val="accent1"/>
+                </a:solidFill>
+                <a:latin typeface="微软雅黑" pitchFamily="34" charset="-122"/>
+                <a:ea typeface="微软雅黑" pitchFamily="34" charset="-122"/>
+              </a:rPr>
+              <a:t>效果不佳</a:t>
+            </a:r>
+            <a:endParaRPr lang="zh-CN" altLang="en-US" sz="2000" b="1" dirty="0">
+              <a:solidFill>
+                <a:schemeClr val="accent1"/>
+              </a:solidFill>
+              <a:latin typeface="微软雅黑" pitchFamily="34" charset="-122"/>
+              <a:ea typeface="微软雅黑" pitchFamily="34" charset="-122"/>
+            </a:endParaRPr>
+          </a:p>
+        </p:txBody>
+      </p:sp>
     </p:spTree>
     <p:extLst>
       <p:ext uri="{BB962C8B-B14F-4D97-AF65-F5344CB8AC3E}">
-        <p14:creationId xmlns:p14="http://schemas.microsoft.com/office/powerpoint/2010/main" val="3886448358"/>
+        <p14:creationId xmlns:p14="http://schemas.microsoft.com/office/powerpoint/2010/main" val="3493168226"/>
       </p:ext>
     </p:extLst>
   </p:cSld>
@@ -10685,7 +13684,7 @@
         <p:spPr bwMode="auto">
           <a:xfrm>
             <a:off x="1031710" y="124520"/>
-            <a:ext cx="3775393" cy="707886"/>
+            <a:ext cx="2236510" cy="707886"/>
           </a:xfrm>
           <a:prstGeom prst="rect">
             <a:avLst/>
@@ -10834,7 +13833,7 @@
                 <a:latin typeface="微软雅黑" panose="020B0503020204020204" pitchFamily="34" charset="-122"/>
                 <a:ea typeface="微软雅黑" panose="020B0503020204020204" pitchFamily="34" charset="-122"/>
               </a:rPr>
-              <a:t>研究内容及方案</a:t>
+              <a:t>研究目标</a:t>
             </a:r>
           </a:p>
         </p:txBody>
@@ -10867,7 +13866,7 @@
     </p:spTree>
     <p:extLst>
       <p:ext uri="{BB962C8B-B14F-4D97-AF65-F5344CB8AC3E}">
-        <p14:creationId xmlns:p14="http://schemas.microsoft.com/office/powerpoint/2010/main" val="3038472306"/>
+        <p14:creationId xmlns:p14="http://schemas.microsoft.com/office/powerpoint/2010/main" val="3886448358"/>
       </p:ext>
     </p:extLst>
   </p:cSld>
@@ -11062,6 +14061,234 @@
                 <a:latin typeface="微软雅黑" panose="020B0503020204020204" pitchFamily="34" charset="-122"/>
                 <a:ea typeface="微软雅黑" panose="020B0503020204020204" pitchFamily="34" charset="-122"/>
               </a:rPr>
+              <a:t>研究内容及方案</a:t>
+            </a:r>
+          </a:p>
+        </p:txBody>
+      </p:sp>
+      <p:pic>
+        <p:nvPicPr>
+          <p:cNvPr id="3" name="图片 2" descr="LinkVision标志"/>
+          <p:cNvPicPr>
+            <a:picLocks noChangeAspect="1"/>
+          </p:cNvPicPr>
+          <p:nvPr/>
+        </p:nvPicPr>
+        <p:blipFill>
+          <a:blip r:embed="rId3"/>
+          <a:srcRect l="19091" t="30800" r="11749" b="32730"/>
+          <a:stretch>
+            <a:fillRect/>
+          </a:stretch>
+        </p:blipFill>
+        <p:spPr>
+          <a:xfrm>
+            <a:off x="9377680" y="177165"/>
+            <a:ext cx="2192655" cy="552450"/>
+          </a:xfrm>
+          <a:prstGeom prst="rect">
+            <a:avLst/>
+          </a:prstGeom>
+        </p:spPr>
+      </p:pic>
+    </p:spTree>
+    <p:extLst>
+      <p:ext uri="{BB962C8B-B14F-4D97-AF65-F5344CB8AC3E}">
+        <p14:creationId xmlns:p14="http://schemas.microsoft.com/office/powerpoint/2010/main" val="3038472306"/>
+      </p:ext>
+    </p:extLst>
+  </p:cSld>
+  <p:clrMapOvr>
+    <a:masterClrMapping/>
+  </p:clrMapOvr>
+  <mc:AlternateContent xmlns:mc="http://schemas.openxmlformats.org/markup-compatibility/2006" xmlns:p14="http://schemas.microsoft.com/office/powerpoint/2010/main">
+    <mc:Choice Requires="p14">
+      <p:transition spd="slow" p14:dur="1500" advClick="0" advTm="2000"/>
+    </mc:Choice>
+    <mc:Fallback xmlns="">
+      <p:transition spd="slow" advClick="0" advTm="2000"/>
+    </mc:Fallback>
+  </mc:AlternateContent>
+</p:sld>
+</file>
+
+<file path=ppt/slides/slide8.xml><?xml version="1.0" encoding="utf-8"?>
+<p:sld xmlns:a="http://schemas.openxmlformats.org/drawingml/2006/main" xmlns:r="http://schemas.openxmlformats.org/officeDocument/2006/relationships" xmlns:p="http://schemas.openxmlformats.org/presentationml/2006/main">
+  <p:cSld>
+    <p:spTree>
+      <p:nvGrpSpPr>
+        <p:cNvPr id="1" name=""/>
+        <p:cNvGrpSpPr/>
+        <p:nvPr/>
+      </p:nvGrpSpPr>
+      <p:grpSpPr>
+        <a:xfrm>
+          <a:off x="0" y="0"/>
+          <a:ext cx="0" cy="0"/>
+          <a:chOff x="0" y="0"/>
+          <a:chExt cx="0" cy="0"/>
+        </a:xfrm>
+      </p:grpSpPr>
+      <p:sp>
+        <p:nvSpPr>
+          <p:cNvPr id="68" name="文本框 11"/>
+          <p:cNvSpPr txBox="1">
+            <a:spLocks noChangeArrowheads="1"/>
+          </p:cNvSpPr>
+          <p:nvPr/>
+        </p:nvSpPr>
+        <p:spPr bwMode="auto">
+          <a:xfrm>
+            <a:off x="1031710" y="124520"/>
+            <a:ext cx="3775393" cy="707886"/>
+          </a:xfrm>
+          <a:prstGeom prst="rect">
+            <a:avLst/>
+          </a:prstGeom>
+          <a:noFill/>
+          <a:ln>
+            <a:noFill/>
+          </a:ln>
+          <a:extLst>
+            <a:ext uri="{909E8E84-426E-40DD-AFC4-6F175D3DCCD1}">
+              <a14:hiddenFill xmlns:a14="http://schemas.microsoft.com/office/drawing/2010/main">
+                <a:solidFill>
+                  <a:srgbClr val="FFFFFF"/>
+                </a:solidFill>
+              </a14:hiddenFill>
+            </a:ext>
+            <a:ext uri="{91240B29-F687-4F45-9708-019B960494DF}">
+              <a14:hiddenLine xmlns:a14="http://schemas.microsoft.com/office/drawing/2010/main" w="9525">
+                <a:solidFill>
+                  <a:srgbClr val="000000"/>
+                </a:solidFill>
+                <a:miter lim="800000"/>
+                <a:headEnd/>
+                <a:tailEnd/>
+              </a14:hiddenLine>
+            </a:ext>
+          </a:extLst>
+        </p:spPr>
+        <p:txBody>
+          <a:bodyPr wrap="none">
+            <a:spAutoFit/>
+          </a:bodyPr>
+          <a:lstStyle>
+            <a:lvl1pPr>
+              <a:defRPr>
+                <a:solidFill>
+                  <a:schemeClr val="tx1"/>
+                </a:solidFill>
+                <a:latin typeface="Calibri" panose="020F0502020204030204" pitchFamily="34" charset="0"/>
+                <a:ea typeface="宋体" panose="02010600030101010101" pitchFamily="2" charset="-122"/>
+              </a:defRPr>
+            </a:lvl1pPr>
+            <a:lvl2pPr marL="742950" indent="-285750">
+              <a:defRPr>
+                <a:solidFill>
+                  <a:schemeClr val="tx1"/>
+                </a:solidFill>
+                <a:latin typeface="Calibri" panose="020F0502020204030204" pitchFamily="34" charset="0"/>
+                <a:ea typeface="宋体" panose="02010600030101010101" pitchFamily="2" charset="-122"/>
+              </a:defRPr>
+            </a:lvl2pPr>
+            <a:lvl3pPr marL="1143000" indent="-228600">
+              <a:defRPr>
+                <a:solidFill>
+                  <a:schemeClr val="tx1"/>
+                </a:solidFill>
+                <a:latin typeface="Calibri" panose="020F0502020204030204" pitchFamily="34" charset="0"/>
+                <a:ea typeface="宋体" panose="02010600030101010101" pitchFamily="2" charset="-122"/>
+              </a:defRPr>
+            </a:lvl3pPr>
+            <a:lvl4pPr marL="1600200" indent="-228600">
+              <a:defRPr>
+                <a:solidFill>
+                  <a:schemeClr val="tx1"/>
+                </a:solidFill>
+                <a:latin typeface="Calibri" panose="020F0502020204030204" pitchFamily="34" charset="0"/>
+                <a:ea typeface="宋体" panose="02010600030101010101" pitchFamily="2" charset="-122"/>
+              </a:defRPr>
+            </a:lvl4pPr>
+            <a:lvl5pPr marL="2057400" indent="-228600">
+              <a:defRPr>
+                <a:solidFill>
+                  <a:schemeClr val="tx1"/>
+                </a:solidFill>
+                <a:latin typeface="Calibri" panose="020F0502020204030204" pitchFamily="34" charset="0"/>
+                <a:ea typeface="宋体" panose="02010600030101010101" pitchFamily="2" charset="-122"/>
+              </a:defRPr>
+            </a:lvl5pPr>
+            <a:lvl6pPr marL="2514600" indent="-228600" fontAlgn="base">
+              <a:spcBef>
+                <a:spcPct val="0"/>
+              </a:spcBef>
+              <a:spcAft>
+                <a:spcPct val="0"/>
+              </a:spcAft>
+              <a:defRPr>
+                <a:solidFill>
+                  <a:schemeClr val="tx1"/>
+                </a:solidFill>
+                <a:latin typeface="Calibri" panose="020F0502020204030204" pitchFamily="34" charset="0"/>
+                <a:ea typeface="宋体" panose="02010600030101010101" pitchFamily="2" charset="-122"/>
+              </a:defRPr>
+            </a:lvl6pPr>
+            <a:lvl7pPr marL="2971800" indent="-228600" fontAlgn="base">
+              <a:spcBef>
+                <a:spcPct val="0"/>
+              </a:spcBef>
+              <a:spcAft>
+                <a:spcPct val="0"/>
+              </a:spcAft>
+              <a:defRPr>
+                <a:solidFill>
+                  <a:schemeClr val="tx1"/>
+                </a:solidFill>
+                <a:latin typeface="Calibri" panose="020F0502020204030204" pitchFamily="34" charset="0"/>
+                <a:ea typeface="宋体" panose="02010600030101010101" pitchFamily="2" charset="-122"/>
+              </a:defRPr>
+            </a:lvl7pPr>
+            <a:lvl8pPr marL="3429000" indent="-228600" fontAlgn="base">
+              <a:spcBef>
+                <a:spcPct val="0"/>
+              </a:spcBef>
+              <a:spcAft>
+                <a:spcPct val="0"/>
+              </a:spcAft>
+              <a:defRPr>
+                <a:solidFill>
+                  <a:schemeClr val="tx1"/>
+                </a:solidFill>
+                <a:latin typeface="Calibri" panose="020F0502020204030204" pitchFamily="34" charset="0"/>
+                <a:ea typeface="宋体" panose="02010600030101010101" pitchFamily="2" charset="-122"/>
+              </a:defRPr>
+            </a:lvl8pPr>
+            <a:lvl9pPr marL="3886200" indent="-228600" fontAlgn="base">
+              <a:spcBef>
+                <a:spcPct val="0"/>
+              </a:spcBef>
+              <a:spcAft>
+                <a:spcPct val="0"/>
+              </a:spcAft>
+              <a:defRPr>
+                <a:solidFill>
+                  <a:schemeClr val="tx1"/>
+                </a:solidFill>
+                <a:latin typeface="Calibri" panose="020F0502020204030204" pitchFamily="34" charset="0"/>
+                <a:ea typeface="宋体" panose="02010600030101010101" pitchFamily="2" charset="-122"/>
+              </a:defRPr>
+            </a:lvl9pPr>
+          </a:lstStyle>
+          <a:p>
+            <a:r>
+              <a:rPr lang="zh-CN" altLang="en-US" sz="4000" b="1" dirty="0">
+                <a:solidFill>
+                  <a:srgbClr val="113E6A"/>
+                </a:solidFill>
+                <a:latin typeface="微软雅黑" panose="020B0503020204020204" pitchFamily="34" charset="-122"/>
+                <a:ea typeface="微软雅黑" panose="020B0503020204020204" pitchFamily="34" charset="-122"/>
+              </a:rPr>
               <a:t>关键难点及困难</a:t>
             </a:r>
           </a:p>
@@ -11113,7 +14340,7 @@
 </p:sld>
 </file>
 
-<file path=ppt/slides/slide8.xml><?xml version="1.0" encoding="utf-8"?>
+<file path=ppt/slides/slide9.xml><?xml version="1.0" encoding="utf-8"?>
 <p:sld xmlns:a="http://schemas.openxmlformats.org/drawingml/2006/main" xmlns:r="http://schemas.openxmlformats.org/officeDocument/2006/relationships" xmlns:p="http://schemas.openxmlformats.org/presentationml/2006/main">
   <p:cSld>
     <p:spTree>
@@ -11336,512 +14563,6 @@
     </mc:Choice>
     <mc:Fallback xmlns="">
       <p:transition spd="slow" advClick="0" advTm="2000"/>
-    </mc:Fallback>
-  </mc:AlternateContent>
-</p:sld>
-</file>
-
-<file path=ppt/slides/slide9.xml><?xml version="1.0" encoding="utf-8"?>
-<p:sld xmlns:a="http://schemas.openxmlformats.org/drawingml/2006/main" xmlns:r="http://schemas.openxmlformats.org/officeDocument/2006/relationships" xmlns:p="http://schemas.openxmlformats.org/presentationml/2006/main">
-  <p:cSld>
-    <p:spTree>
-      <p:nvGrpSpPr>
-        <p:cNvPr id="1" name=""/>
-        <p:cNvGrpSpPr/>
-        <p:nvPr/>
-      </p:nvGrpSpPr>
-      <p:grpSpPr>
-        <a:xfrm>
-          <a:off x="0" y="0"/>
-          <a:ext cx="0" cy="0"/>
-          <a:chOff x="0" y="0"/>
-          <a:chExt cx="0" cy="0"/>
-        </a:xfrm>
-      </p:grpSpPr>
-      <p:sp>
-        <p:nvSpPr>
-          <p:cNvPr id="3" name="内容占位符 2"/>
-          <p:cNvSpPr>
-            <a:spLocks noGrp="1"/>
-          </p:cNvSpPr>
-          <p:nvPr>
-            <p:ph idx="1"/>
-          </p:nvPr>
-        </p:nvSpPr>
-        <p:spPr>
-          <a:xfrm>
-            <a:off x="609600" y="1815465"/>
-            <a:ext cx="10977880" cy="2564765"/>
-          </a:xfrm>
-        </p:spPr>
-        <p:txBody>
-          <a:bodyPr/>
-          <a:lstStyle/>
-          <a:p>
-            <a:pPr algn="just">
-              <a:lnSpc>
-                <a:spcPct val="150000"/>
-              </a:lnSpc>
-              <a:buClr>
-                <a:srgbClr val="C00000"/>
-              </a:buClr>
-              <a:buFont typeface="Wingdings" panose="05000000000000000000" charset="0"/>
-              <a:buChar char="n"/>
-            </a:pPr>
-            <a:r>
-              <a:rPr lang="zh-CN" altLang="en-US" sz="2400" dirty="0">
-                <a:solidFill>
-                  <a:srgbClr val="0F3C6A"/>
-                </a:solidFill>
-                <a:latin typeface="微软雅黑" panose="020B0503020204020204" pitchFamily="34" charset="-122"/>
-                <a:ea typeface="微软雅黑" panose="020B0503020204020204" pitchFamily="34" charset="-122"/>
-                <a:cs typeface="微软雅黑" panose="020B0503020204020204" pitchFamily="34" charset="-122"/>
-              </a:rPr>
-              <a:t>在定位与标定算法方面有自主软件包的研发经历及工程实践经验，并分析过</a:t>
-            </a:r>
-            <a:r>
-              <a:rPr lang="en-US" altLang="zh-CN" sz="2400" dirty="0">
-                <a:solidFill>
-                  <a:srgbClr val="0F3C6A"/>
-                </a:solidFill>
-                <a:latin typeface="微软雅黑" panose="020B0503020204020204" pitchFamily="34" charset="-122"/>
-                <a:ea typeface="微软雅黑" panose="020B0503020204020204" pitchFamily="34" charset="-122"/>
-                <a:cs typeface="微软雅黑" panose="020B0503020204020204" pitchFamily="34" charset="-122"/>
-              </a:rPr>
-              <a:t>Datalogic</a:t>
-            </a:r>
-            <a:r>
-              <a:rPr lang="zh-CN" altLang="en-US" sz="2400" dirty="0">
-                <a:solidFill>
-                  <a:srgbClr val="0F3C6A"/>
-                </a:solidFill>
-                <a:latin typeface="微软雅黑" panose="020B0503020204020204" pitchFamily="34" charset="-122"/>
-                <a:ea typeface="微软雅黑" panose="020B0503020204020204" pitchFamily="34" charset="-122"/>
-                <a:cs typeface="微软雅黑" panose="020B0503020204020204" pitchFamily="34" charset="-122"/>
-              </a:rPr>
-              <a:t>、</a:t>
-            </a:r>
-            <a:r>
-              <a:rPr lang="en-US" altLang="zh-CN" sz="2400" dirty="0">
-                <a:solidFill>
-                  <a:srgbClr val="0F3C6A"/>
-                </a:solidFill>
-                <a:latin typeface="微软雅黑" panose="020B0503020204020204" pitchFamily="34" charset="-122"/>
-                <a:ea typeface="微软雅黑" panose="020B0503020204020204" pitchFamily="34" charset="-122"/>
-                <a:cs typeface="微软雅黑" panose="020B0503020204020204" pitchFamily="34" charset="-122"/>
-              </a:rPr>
-              <a:t>C</a:t>
-            </a:r>
-            <a:r>
-              <a:rPr lang="en-US" altLang="zh-CN" sz="2400" dirty="0" err="1">
-                <a:solidFill>
-                  <a:srgbClr val="0F3C6A"/>
-                </a:solidFill>
-                <a:latin typeface="微软雅黑" panose="020B0503020204020204" pitchFamily="34" charset="-122"/>
-                <a:ea typeface="微软雅黑" panose="020B0503020204020204" pitchFamily="34" charset="-122"/>
-                <a:cs typeface="微软雅黑" panose="020B0503020204020204" pitchFamily="34" charset="-122"/>
-              </a:rPr>
-              <a:t>ongex</a:t>
-            </a:r>
-            <a:r>
-              <a:rPr lang="zh-CN" altLang="en-US" sz="2400" dirty="0">
-                <a:solidFill>
-                  <a:srgbClr val="0F3C6A"/>
-                </a:solidFill>
-                <a:latin typeface="微软雅黑" panose="020B0503020204020204" pitchFamily="34" charset="-122"/>
-                <a:ea typeface="微软雅黑" panose="020B0503020204020204" pitchFamily="34" charset="-122"/>
-                <a:cs typeface="微软雅黑" panose="020B0503020204020204" pitchFamily="34" charset="-122"/>
-              </a:rPr>
-              <a:t>的扫码设备作参考。</a:t>
-            </a:r>
-            <a:endParaRPr lang="en-US" altLang="zh-CN" sz="2400" dirty="0">
-              <a:solidFill>
-                <a:srgbClr val="0F3C6A"/>
-              </a:solidFill>
-              <a:latin typeface="微软雅黑" panose="020B0503020204020204" pitchFamily="34" charset="-122"/>
-              <a:ea typeface="微软雅黑" panose="020B0503020204020204" pitchFamily="34" charset="-122"/>
-              <a:cs typeface="微软雅黑" panose="020B0503020204020204" pitchFamily="34" charset="-122"/>
-            </a:endParaRPr>
-          </a:p>
-          <a:p>
-            <a:pPr algn="just">
-              <a:lnSpc>
-                <a:spcPct val="150000"/>
-              </a:lnSpc>
-              <a:buClr>
-                <a:srgbClr val="C00000"/>
-              </a:buClr>
-              <a:buFont typeface="Wingdings" panose="05000000000000000000" charset="0"/>
-              <a:buChar char="n"/>
-            </a:pPr>
-            <a:r>
-              <a:rPr lang="zh-CN" altLang="en-US" sz="2400" dirty="0">
-                <a:solidFill>
-                  <a:srgbClr val="0F3C6A"/>
-                </a:solidFill>
-                <a:latin typeface="微软雅黑" panose="020B0503020204020204" pitchFamily="34" charset="-122"/>
-                <a:ea typeface="微软雅黑" panose="020B0503020204020204" pitchFamily="34" charset="-122"/>
-                <a:cs typeface="微软雅黑" panose="020B0503020204020204" pitchFamily="34" charset="-122"/>
-              </a:rPr>
-              <a:t>在嵌入式</a:t>
-            </a:r>
-            <a:r>
-              <a:rPr lang="en-US" altLang="zh-CN" sz="2400" dirty="0" err="1">
-                <a:solidFill>
-                  <a:srgbClr val="0F3C6A"/>
-                </a:solidFill>
-                <a:latin typeface="微软雅黑" panose="020B0503020204020204" pitchFamily="34" charset="-122"/>
-                <a:ea typeface="微软雅黑" panose="020B0503020204020204" pitchFamily="34" charset="-122"/>
-                <a:cs typeface="微软雅黑" panose="020B0503020204020204" pitchFamily="34" charset="-122"/>
-              </a:rPr>
-              <a:t>linux</a:t>
-            </a:r>
-            <a:r>
-              <a:rPr lang="zh-CN" altLang="en-US" sz="2400" dirty="0">
-                <a:solidFill>
-                  <a:srgbClr val="0F3C6A"/>
-                </a:solidFill>
-                <a:latin typeface="微软雅黑" panose="020B0503020204020204" pitchFamily="34" charset="-122"/>
-                <a:ea typeface="微软雅黑" panose="020B0503020204020204" pitchFamily="34" charset="-122"/>
-                <a:cs typeface="微软雅黑" panose="020B0503020204020204" pitchFamily="34" charset="-122"/>
-              </a:rPr>
-              <a:t>环境下基于</a:t>
-            </a:r>
-            <a:r>
-              <a:rPr lang="en-US" altLang="zh-CN" sz="2400" dirty="0">
-                <a:solidFill>
-                  <a:srgbClr val="0F3C6A"/>
-                </a:solidFill>
-                <a:latin typeface="微软雅黑" panose="020B0503020204020204" pitchFamily="34" charset="-122"/>
-                <a:ea typeface="微软雅黑" panose="020B0503020204020204" pitchFamily="34" charset="-122"/>
-                <a:cs typeface="微软雅黑" panose="020B0503020204020204" pitchFamily="34" charset="-122"/>
-              </a:rPr>
-              <a:t>qt</a:t>
-            </a:r>
-            <a:r>
-              <a:rPr lang="zh-CN" altLang="en-US" sz="2400" dirty="0">
-                <a:solidFill>
-                  <a:srgbClr val="0F3C6A"/>
-                </a:solidFill>
-                <a:latin typeface="微软雅黑" panose="020B0503020204020204" pitchFamily="34" charset="-122"/>
-                <a:ea typeface="微软雅黑" panose="020B0503020204020204" pitchFamily="34" charset="-122"/>
-                <a:cs typeface="微软雅黑" panose="020B0503020204020204" pitchFamily="34" charset="-122"/>
-              </a:rPr>
-              <a:t>平台利用开源包实现了常规条码的基本识别。</a:t>
-            </a:r>
-          </a:p>
-          <a:p>
-            <a:pPr algn="just">
-              <a:lnSpc>
-                <a:spcPct val="150000"/>
-              </a:lnSpc>
-              <a:buClr>
-                <a:srgbClr val="C00000"/>
-              </a:buClr>
-              <a:buFont typeface="Wingdings" panose="05000000000000000000" charset="0"/>
-              <a:buChar char="n"/>
-            </a:pPr>
-            <a:r>
-              <a:rPr lang="zh-CN" altLang="en-US" sz="2400" dirty="0">
-                <a:solidFill>
-                  <a:srgbClr val="0F3C6A"/>
-                </a:solidFill>
-                <a:latin typeface="微软雅黑" panose="020B0503020204020204" pitchFamily="34" charset="-122"/>
-                <a:ea typeface="微软雅黑" panose="020B0503020204020204" pitchFamily="34" charset="-122"/>
-                <a:cs typeface="微软雅黑" panose="020B0503020204020204" pitchFamily="34" charset="-122"/>
-              </a:rPr>
-              <a:t>利用基于</a:t>
-            </a:r>
-            <a:r>
-              <a:rPr lang="en-US" altLang="zh-CN" sz="2400" dirty="0">
-                <a:solidFill>
-                  <a:srgbClr val="0F3C6A"/>
-                </a:solidFill>
-                <a:latin typeface="微软雅黑" panose="020B0503020204020204" pitchFamily="34" charset="-122"/>
-                <a:ea typeface="微软雅黑" panose="020B0503020204020204" pitchFamily="34" charset="-122"/>
-                <a:cs typeface="微软雅黑" panose="020B0503020204020204" pitchFamily="34" charset="-122"/>
-              </a:rPr>
-              <a:t>ARM</a:t>
-            </a:r>
-            <a:r>
-              <a:rPr lang="zh-CN" altLang="en-US" sz="2400" dirty="0">
-                <a:solidFill>
-                  <a:srgbClr val="0F3C6A"/>
-                </a:solidFill>
-                <a:latin typeface="微软雅黑" panose="020B0503020204020204" pitchFamily="34" charset="-122"/>
-                <a:ea typeface="微软雅黑" panose="020B0503020204020204" pitchFamily="34" charset="-122"/>
-                <a:cs typeface="微软雅黑" panose="020B0503020204020204" pitchFamily="34" charset="-122"/>
-              </a:rPr>
-              <a:t>的</a:t>
-            </a:r>
-            <a:r>
-              <a:rPr lang="en-US" altLang="zh-CN" sz="2400" dirty="0">
-                <a:solidFill>
-                  <a:srgbClr val="0F3C6A"/>
-                </a:solidFill>
-                <a:latin typeface="微软雅黑" panose="020B0503020204020204" pitchFamily="34" charset="-122"/>
-                <a:ea typeface="微软雅黑" panose="020B0503020204020204" pitchFamily="34" charset="-122"/>
-                <a:cs typeface="微软雅黑" panose="020B0503020204020204" pitchFamily="34" charset="-122"/>
-              </a:rPr>
-              <a:t>cortex A53</a:t>
-            </a:r>
-            <a:r>
-              <a:rPr lang="zh-CN" altLang="en-US" sz="2400" dirty="0">
-                <a:solidFill>
-                  <a:srgbClr val="0F3C6A"/>
-                </a:solidFill>
-                <a:latin typeface="微软雅黑" panose="020B0503020204020204" pitchFamily="34" charset="-122"/>
-                <a:ea typeface="微软雅黑" panose="020B0503020204020204" pitchFamily="34" charset="-122"/>
-                <a:cs typeface="微软雅黑" panose="020B0503020204020204" pitchFamily="34" charset="-122"/>
-              </a:rPr>
-              <a:t>构架搭建测试平台，可实现取图与识别的过程。</a:t>
-            </a:r>
-          </a:p>
-        </p:txBody>
-      </p:sp>
-      <p:sp>
-        <p:nvSpPr>
-          <p:cNvPr id="4" name="TextBox 27"/>
-          <p:cNvSpPr txBox="1">
-            <a:spLocks noChangeArrowheads="1"/>
-          </p:cNvSpPr>
-          <p:nvPr/>
-        </p:nvSpPr>
-        <p:spPr bwMode="auto">
-          <a:xfrm>
-            <a:off x="869315" y="156210"/>
-            <a:ext cx="2577465" cy="645160"/>
-          </a:xfrm>
-          <a:prstGeom prst="rect">
-            <a:avLst/>
-          </a:prstGeom>
-          <a:noFill/>
-          <a:ln>
-            <a:noFill/>
-          </a:ln>
-          <a:extLst>
-            <a:ext uri="{909E8E84-426E-40DD-AFC4-6F175D3DCCD1}">
-              <a14:hiddenFill xmlns:a14="http://schemas.microsoft.com/office/drawing/2010/main">
-                <a:solidFill>
-                  <a:srgbClr val="FFFFFF"/>
-                </a:solidFill>
-              </a14:hiddenFill>
-            </a:ext>
-            <a:ext uri="{91240B29-F687-4F45-9708-019B960494DF}">
-              <a14:hiddenLine xmlns:a14="http://schemas.microsoft.com/office/drawing/2010/main" w="9525">
-                <a:solidFill>
-                  <a:srgbClr val="000000"/>
-                </a:solidFill>
-                <a:miter lim="800000"/>
-                <a:headEnd/>
-                <a:tailEnd/>
-              </a14:hiddenLine>
-            </a:ext>
-          </a:extLst>
-        </p:spPr>
-        <p:txBody>
-          <a:bodyPr wrap="square">
-            <a:spAutoFit/>
-          </a:bodyPr>
-          <a:lstStyle>
-            <a:lvl1pPr>
-              <a:defRPr>
-                <a:solidFill>
-                  <a:schemeClr val="tx1"/>
-                </a:solidFill>
-                <a:latin typeface="Arial" panose="020B0604020202020204" pitchFamily="34" charset="0"/>
-                <a:ea typeface="宋体" panose="02010600030101010101" pitchFamily="2" charset="-122"/>
-              </a:defRPr>
-            </a:lvl1pPr>
-            <a:lvl2pPr marL="742950" indent="-285750">
-              <a:defRPr>
-                <a:solidFill>
-                  <a:schemeClr val="tx1"/>
-                </a:solidFill>
-                <a:latin typeface="Arial" panose="020B0604020202020204" pitchFamily="34" charset="0"/>
-                <a:ea typeface="宋体" panose="02010600030101010101" pitchFamily="2" charset="-122"/>
-              </a:defRPr>
-            </a:lvl2pPr>
-            <a:lvl3pPr marL="1143000" indent="-228600">
-              <a:defRPr>
-                <a:solidFill>
-                  <a:schemeClr val="tx1"/>
-                </a:solidFill>
-                <a:latin typeface="Arial" panose="020B0604020202020204" pitchFamily="34" charset="0"/>
-                <a:ea typeface="宋体" panose="02010600030101010101" pitchFamily="2" charset="-122"/>
-              </a:defRPr>
-            </a:lvl3pPr>
-            <a:lvl4pPr marL="1600200" indent="-228600">
-              <a:defRPr>
-                <a:solidFill>
-                  <a:schemeClr val="tx1"/>
-                </a:solidFill>
-                <a:latin typeface="Arial" panose="020B0604020202020204" pitchFamily="34" charset="0"/>
-                <a:ea typeface="宋体" panose="02010600030101010101" pitchFamily="2" charset="-122"/>
-              </a:defRPr>
-            </a:lvl4pPr>
-            <a:lvl5pPr marL="2057400" indent="-228600">
-              <a:defRPr>
-                <a:solidFill>
-                  <a:schemeClr val="tx1"/>
-                </a:solidFill>
-                <a:latin typeface="Arial" panose="020B0604020202020204" pitchFamily="34" charset="0"/>
-                <a:ea typeface="宋体" panose="02010600030101010101" pitchFamily="2" charset="-122"/>
-              </a:defRPr>
-            </a:lvl5pPr>
-            <a:lvl6pPr marL="2514600" indent="-228600" eaLnBrk="0" fontAlgn="base" hangingPunct="0">
-              <a:spcBef>
-                <a:spcPct val="0"/>
-              </a:spcBef>
-              <a:spcAft>
-                <a:spcPct val="0"/>
-              </a:spcAft>
-              <a:defRPr>
-                <a:solidFill>
-                  <a:schemeClr val="tx1"/>
-                </a:solidFill>
-                <a:latin typeface="Arial" panose="020B0604020202020204" pitchFamily="34" charset="0"/>
-                <a:ea typeface="宋体" panose="02010600030101010101" pitchFamily="2" charset="-122"/>
-              </a:defRPr>
-            </a:lvl6pPr>
-            <a:lvl7pPr marL="2971800" indent="-228600" eaLnBrk="0" fontAlgn="base" hangingPunct="0">
-              <a:spcBef>
-                <a:spcPct val="0"/>
-              </a:spcBef>
-              <a:spcAft>
-                <a:spcPct val="0"/>
-              </a:spcAft>
-              <a:defRPr>
-                <a:solidFill>
-                  <a:schemeClr val="tx1"/>
-                </a:solidFill>
-                <a:latin typeface="Arial" panose="020B0604020202020204" pitchFamily="34" charset="0"/>
-                <a:ea typeface="宋体" panose="02010600030101010101" pitchFamily="2" charset="-122"/>
-              </a:defRPr>
-            </a:lvl7pPr>
-            <a:lvl8pPr marL="3429000" indent="-228600" eaLnBrk="0" fontAlgn="base" hangingPunct="0">
-              <a:spcBef>
-                <a:spcPct val="0"/>
-              </a:spcBef>
-              <a:spcAft>
-                <a:spcPct val="0"/>
-              </a:spcAft>
-              <a:defRPr>
-                <a:solidFill>
-                  <a:schemeClr val="tx1"/>
-                </a:solidFill>
-                <a:latin typeface="Arial" panose="020B0604020202020204" pitchFamily="34" charset="0"/>
-                <a:ea typeface="宋体" panose="02010600030101010101" pitchFamily="2" charset="-122"/>
-              </a:defRPr>
-            </a:lvl8pPr>
-            <a:lvl9pPr marL="3886200" indent="-228600" eaLnBrk="0" fontAlgn="base" hangingPunct="0">
-              <a:spcBef>
-                <a:spcPct val="0"/>
-              </a:spcBef>
-              <a:spcAft>
-                <a:spcPct val="0"/>
-              </a:spcAft>
-              <a:defRPr>
-                <a:solidFill>
-                  <a:schemeClr val="tx1"/>
-                </a:solidFill>
-                <a:latin typeface="Arial" panose="020B0604020202020204" pitchFamily="34" charset="0"/>
-                <a:ea typeface="宋体" panose="02010600030101010101" pitchFamily="2" charset="-122"/>
-              </a:defRPr>
-            </a:lvl9pPr>
-          </a:lstStyle>
-          <a:p>
-            <a:pPr eaLnBrk="1" hangingPunct="1"/>
-            <a:r>
-              <a:rPr lang="zh-CN" altLang="en-US" sz="3600" b="1" dirty="0">
-                <a:solidFill>
-                  <a:srgbClr val="113E6A"/>
-                </a:solidFill>
-                <a:latin typeface="微软雅黑" panose="020B0503020204020204" pitchFamily="34" charset="-122"/>
-                <a:ea typeface="微软雅黑" panose="020B0503020204020204" pitchFamily="34" charset="-122"/>
-              </a:rPr>
-              <a:t>前期工作</a:t>
-            </a:r>
-          </a:p>
-        </p:txBody>
-      </p:sp>
-      <p:pic>
-        <p:nvPicPr>
-          <p:cNvPr id="5" name="图片 4" descr="LinkVision标志"/>
-          <p:cNvPicPr>
-            <a:picLocks noChangeAspect="1"/>
-          </p:cNvPicPr>
-          <p:nvPr/>
-        </p:nvPicPr>
-        <p:blipFill>
-          <a:blip r:embed="rId2" cstate="print"/>
-          <a:srcRect l="19091" t="30800" r="11749" b="32730"/>
-          <a:stretch>
-            <a:fillRect/>
-          </a:stretch>
-        </p:blipFill>
-        <p:spPr>
-          <a:xfrm>
-            <a:off x="9377680" y="177165"/>
-            <a:ext cx="2192655" cy="552450"/>
-          </a:xfrm>
-          <a:prstGeom prst="rect">
-            <a:avLst/>
-          </a:prstGeom>
-        </p:spPr>
-      </p:pic>
-      <p:sp>
-        <p:nvSpPr>
-          <p:cNvPr id="2" name="文本框 1"/>
-          <p:cNvSpPr txBox="1"/>
-          <p:nvPr/>
-        </p:nvSpPr>
-        <p:spPr>
-          <a:xfrm>
-            <a:off x="913130" y="1200150"/>
-            <a:ext cx="6228080" cy="521970"/>
-          </a:xfrm>
-          <a:prstGeom prst="rect">
-            <a:avLst/>
-          </a:prstGeom>
-          <a:noFill/>
-        </p:spPr>
-        <p:txBody>
-          <a:bodyPr wrap="none" rtlCol="0">
-            <a:spAutoFit/>
-          </a:bodyPr>
-          <a:lstStyle/>
-          <a:p>
-            <a:pPr algn="l"/>
-            <a:r>
-              <a:rPr lang="zh-CN" altLang="en-US" sz="2800" b="1" dirty="0">
-                <a:solidFill>
-                  <a:srgbClr val="00B0F0"/>
-                </a:solidFill>
-                <a:latin typeface="微软雅黑" panose="020B0503020204020204" pitchFamily="34" charset="-122"/>
-                <a:ea typeface="微软雅黑" panose="020B0503020204020204" pitchFamily="34" charset="-122"/>
-                <a:sym typeface="+mn-ea"/>
-              </a:rPr>
-              <a:t>主要在于：定位与识别的软、硬件平台</a:t>
-            </a:r>
-          </a:p>
-        </p:txBody>
-      </p:sp>
-    </p:spTree>
-  </p:cSld>
-  <p:clrMapOvr>
-    <a:masterClrMapping/>
-  </p:clrMapOvr>
-  <mc:AlternateContent xmlns:mc="http://schemas.openxmlformats.org/markup-compatibility/2006" xmlns:p14="http://schemas.microsoft.com/office/powerpoint/2010/main">
-    <mc:Choice Requires="p14">
-      <p:transition p14:dur="250">
-        <p:fade/>
-      </p:transition>
-    </mc:Choice>
-    <mc:Fallback xmlns="">
-      <p:transition>
-        <p:fade/>
-      </p:transition>
     </mc:Fallback>
   </mc:AlternateContent>
 </p:sld>
